--- a/CYBER360-2.4-Control-Structures.pptx
+++ b/CYBER360-2.4-Control-Structures.pptx
@@ -129,139 +129,38 @@
 </p:presentation>
 </file>
 
-<file path=ppt/revisionInfo.xml><?xml version="1.0" encoding="utf-8"?>
-<p1510:revInfo xmlns:a="http://schemas.openxmlformats.org/drawingml/2006/main" xmlns:r="http://schemas.openxmlformats.org/officeDocument/2006/relationships" xmlns:p1510="http://schemas.microsoft.com/office/powerpoint/2015/10/main">
-  <p1510:revLst>
-    <p1510:client id="{3CE3119B-1917-4F7B-A5AD-6C146E3F914B}" v="14" dt="2023-12-28T21:32:04.097"/>
-    <p1510:client id="{4505F98C-4CC4-4983-9729-597D2A150C85}" v="16" dt="2023-12-29T02:06:20.880"/>
-  </p1510:revLst>
-</p1510:revInfo>
-</file>
-
 <file path=ppt/changesInfos/changesInfo1.xml><?xml version="1.0" encoding="utf-8"?>
 <pc:chgInfo xmlns:a="http://schemas.openxmlformats.org/drawingml/2006/main" xmlns:r="http://schemas.openxmlformats.org/officeDocument/2006/relationships" xmlns:ac="http://schemas.microsoft.com/office/drawing/2013/main/command" xmlns:pc="http://schemas.microsoft.com/office/powerpoint/2013/main/command">
   <pc:docChgLst>
-    <pc:chgData name="Gibbons, Carl" userId="d2b037bc-8fb4-4222-845c-61440543a456" providerId="ADAL" clId="{4505F98C-4CC4-4983-9729-597D2A150C85}"/>
-    <pc:docChg chg="undo custSel addSld delSld modSld">
-      <pc:chgData name="Gibbons, Carl" userId="d2b037bc-8fb4-4222-845c-61440543a456" providerId="ADAL" clId="{4505F98C-4CC4-4983-9729-597D2A150C85}" dt="2023-12-29T02:21:47.448" v="17685" actId="20577"/>
+    <pc:chgData name="Gibbons, Carl" userId="d2b037bc-8fb4-4222-845c-61440543a456" providerId="ADAL" clId="{0B6CB96C-5C81-45BE-B402-C02C27EB3BC6}"/>
+    <pc:docChg chg="custSel modSld">
+      <pc:chgData name="Gibbons, Carl" userId="d2b037bc-8fb4-4222-845c-61440543a456" providerId="ADAL" clId="{0B6CB96C-5C81-45BE-B402-C02C27EB3BC6}" dt="2024-01-23T17:13:54.346" v="15" actId="20577"/>
       <pc:docMkLst>
         <pc:docMk/>
       </pc:docMkLst>
       <pc:sldChg chg="modSp mod">
-        <pc:chgData name="Gibbons, Carl" userId="d2b037bc-8fb4-4222-845c-61440543a456" providerId="ADAL" clId="{4505F98C-4CC4-4983-9729-597D2A150C85}" dt="2023-12-28T22:02:31.848" v="28" actId="20577"/>
+        <pc:chgData name="Gibbons, Carl" userId="d2b037bc-8fb4-4222-845c-61440543a456" providerId="ADAL" clId="{0B6CB96C-5C81-45BE-B402-C02C27EB3BC6}" dt="2024-01-23T17:12:55.313" v="13" actId="20577"/>
         <pc:sldMkLst>
           <pc:docMk/>
-          <pc:sldMk cId="3308175748" sldId="256"/>
+          <pc:sldMk cId="2335633195" sldId="279"/>
         </pc:sldMkLst>
         <pc:spChg chg="mod">
-          <ac:chgData name="Gibbons, Carl" userId="d2b037bc-8fb4-4222-845c-61440543a456" providerId="ADAL" clId="{4505F98C-4CC4-4983-9729-597D2A150C85}" dt="2023-12-28T22:02:31.848" v="28" actId="20577"/>
+          <ac:chgData name="Gibbons, Carl" userId="d2b037bc-8fb4-4222-845c-61440543a456" providerId="ADAL" clId="{0B6CB96C-5C81-45BE-B402-C02C27EB3BC6}" dt="2024-01-23T17:12:55.313" v="13" actId="20577"/>
           <ac:spMkLst>
             <pc:docMk/>
-            <pc:sldMk cId="3308175748" sldId="256"/>
-            <ac:spMk id="3" creationId="{EEC4D41B-E776-05F2-BE0B-89BB339485AB}"/>
-          </ac:spMkLst>
-        </pc:spChg>
-      </pc:sldChg>
-      <pc:sldChg chg="modSp mod">
-        <pc:chgData name="Gibbons, Carl" userId="d2b037bc-8fb4-4222-845c-61440543a456" providerId="ADAL" clId="{4505F98C-4CC4-4983-9729-597D2A150C85}" dt="2023-12-28T22:45:53.299" v="4302" actId="20577"/>
-        <pc:sldMkLst>
-          <pc:docMk/>
-          <pc:sldMk cId="2312486803" sldId="261"/>
-        </pc:sldMkLst>
-        <pc:spChg chg="mod">
-          <ac:chgData name="Gibbons, Carl" userId="d2b037bc-8fb4-4222-845c-61440543a456" providerId="ADAL" clId="{4505F98C-4CC4-4983-9729-597D2A150C85}" dt="2023-12-28T22:02:40.492" v="50" actId="20577"/>
-          <ac:spMkLst>
-            <pc:docMk/>
-            <pc:sldMk cId="2312486803" sldId="261"/>
-            <ac:spMk id="2" creationId="{31B75992-5098-A283-4925-2CCEBB801DC5}"/>
-          </ac:spMkLst>
-        </pc:spChg>
-        <pc:spChg chg="mod">
-          <ac:chgData name="Gibbons, Carl" userId="d2b037bc-8fb4-4222-845c-61440543a456" providerId="ADAL" clId="{4505F98C-4CC4-4983-9729-597D2A150C85}" dt="2023-12-28T22:45:53.299" v="4302" actId="20577"/>
-          <ac:spMkLst>
-            <pc:docMk/>
-            <pc:sldMk cId="2312486803" sldId="261"/>
+            <pc:sldMk cId="2335633195" sldId="279"/>
             <ac:spMk id="3" creationId="{B5924E0F-A977-1710-779D-EEB74261AF34}"/>
           </ac:spMkLst>
         </pc:spChg>
       </pc:sldChg>
       <pc:sldChg chg="modSp mod">
-        <pc:chgData name="Gibbons, Carl" userId="d2b037bc-8fb4-4222-845c-61440543a456" providerId="ADAL" clId="{4505F98C-4CC4-4983-9729-597D2A150C85}" dt="2023-12-29T02:18:39.170" v="17623" actId="20577"/>
-        <pc:sldMkLst>
-          <pc:docMk/>
-          <pc:sldMk cId="657795359" sldId="277"/>
-        </pc:sldMkLst>
-        <pc:spChg chg="mod">
-          <ac:chgData name="Gibbons, Carl" userId="d2b037bc-8fb4-4222-845c-61440543a456" providerId="ADAL" clId="{4505F98C-4CC4-4983-9729-597D2A150C85}" dt="2023-12-29T02:18:39.170" v="17623" actId="20577"/>
-          <ac:spMkLst>
-            <pc:docMk/>
-            <pc:sldMk cId="657795359" sldId="277"/>
-            <ac:spMk id="3" creationId="{90179172-96B3-95D0-A137-257770BE7642}"/>
-          </ac:spMkLst>
-        </pc:spChg>
-      </pc:sldChg>
-      <pc:sldChg chg="modSp mod">
-        <pc:chgData name="Gibbons, Carl" userId="d2b037bc-8fb4-4222-845c-61440543a456" providerId="ADAL" clId="{4505F98C-4CC4-4983-9729-597D2A150C85}" dt="2023-12-29T02:21:47.448" v="17685" actId="20577"/>
-        <pc:sldMkLst>
-          <pc:docMk/>
-          <pc:sldMk cId="3989541258" sldId="278"/>
-        </pc:sldMkLst>
-        <pc:spChg chg="mod">
-          <ac:chgData name="Gibbons, Carl" userId="d2b037bc-8fb4-4222-845c-61440543a456" providerId="ADAL" clId="{4505F98C-4CC4-4983-9729-597D2A150C85}" dt="2023-12-28T22:23:56.363" v="2262" actId="20577"/>
-          <ac:spMkLst>
-            <pc:docMk/>
-            <pc:sldMk cId="3989541258" sldId="278"/>
-            <ac:spMk id="2" creationId="{31B75992-5098-A283-4925-2CCEBB801DC5}"/>
-          </ac:spMkLst>
-        </pc:spChg>
-        <pc:spChg chg="mod">
-          <ac:chgData name="Gibbons, Carl" userId="d2b037bc-8fb4-4222-845c-61440543a456" providerId="ADAL" clId="{4505F98C-4CC4-4983-9729-597D2A150C85}" dt="2023-12-29T02:21:47.448" v="17685" actId="20577"/>
-          <ac:spMkLst>
-            <pc:docMk/>
-            <pc:sldMk cId="3989541258" sldId="278"/>
-            <ac:spMk id="3" creationId="{B5924E0F-A977-1710-779D-EEB74261AF34}"/>
-          </ac:spMkLst>
-        </pc:spChg>
-      </pc:sldChg>
-      <pc:sldChg chg="modSp mod">
-        <pc:chgData name="Gibbons, Carl" userId="d2b037bc-8fb4-4222-845c-61440543a456" providerId="ADAL" clId="{4505F98C-4CC4-4983-9729-597D2A150C85}" dt="2023-12-29T00:21:55.646" v="8344" actId="20577"/>
-        <pc:sldMkLst>
-          <pc:docMk/>
-          <pc:sldMk cId="2335633195" sldId="279"/>
-        </pc:sldMkLst>
-        <pc:spChg chg="mod">
-          <ac:chgData name="Gibbons, Carl" userId="d2b037bc-8fb4-4222-845c-61440543a456" providerId="ADAL" clId="{4505F98C-4CC4-4983-9729-597D2A150C85}" dt="2023-12-29T00:21:55.646" v="8344" actId="20577"/>
-          <ac:spMkLst>
-            <pc:docMk/>
-            <pc:sldMk cId="2335633195" sldId="279"/>
-            <ac:spMk id="2" creationId="{31B75992-5098-A283-4925-2CCEBB801DC5}"/>
-          </ac:spMkLst>
-        </pc:spChg>
-        <pc:spChg chg="mod">
-          <ac:chgData name="Gibbons, Carl" userId="d2b037bc-8fb4-4222-845c-61440543a456" providerId="ADAL" clId="{4505F98C-4CC4-4983-9729-597D2A150C85}" dt="2023-12-28T22:56:22.080" v="4730" actId="20577"/>
-          <ac:spMkLst>
-            <pc:docMk/>
-            <pc:sldMk cId="2335633195" sldId="279"/>
-            <ac:spMk id="3" creationId="{B5924E0F-A977-1710-779D-EEB74261AF34}"/>
-          </ac:spMkLst>
-        </pc:spChg>
-      </pc:sldChg>
-      <pc:sldChg chg="modSp add mod">
-        <pc:chgData name="Gibbons, Carl" userId="d2b037bc-8fb4-4222-845c-61440543a456" providerId="ADAL" clId="{4505F98C-4CC4-4983-9729-597D2A150C85}" dt="2023-12-28T23:39:19.135" v="5592" actId="20577"/>
+        <pc:chgData name="Gibbons, Carl" userId="d2b037bc-8fb4-4222-845c-61440543a456" providerId="ADAL" clId="{0B6CB96C-5C81-45BE-B402-C02C27EB3BC6}" dt="2024-01-23T17:12:46.964" v="9" actId="20577"/>
         <pc:sldMkLst>
           <pc:docMk/>
           <pc:sldMk cId="1284534978" sldId="280"/>
         </pc:sldMkLst>
         <pc:spChg chg="mod">
-          <ac:chgData name="Gibbons, Carl" userId="d2b037bc-8fb4-4222-845c-61440543a456" providerId="ADAL" clId="{4505F98C-4CC4-4983-9729-597D2A150C85}" dt="2023-12-28T23:26:13.166" v="4743" actId="20577"/>
-          <ac:spMkLst>
-            <pc:docMk/>
-            <pc:sldMk cId="1284534978" sldId="280"/>
-            <ac:spMk id="2" creationId="{31B75992-5098-A283-4925-2CCEBB801DC5}"/>
-          </ac:spMkLst>
-        </pc:spChg>
-        <pc:spChg chg="mod">
-          <ac:chgData name="Gibbons, Carl" userId="d2b037bc-8fb4-4222-845c-61440543a456" providerId="ADAL" clId="{4505F98C-4CC4-4983-9729-597D2A150C85}" dt="2023-12-28T23:39:19.135" v="5592" actId="20577"/>
+          <ac:chgData name="Gibbons, Carl" userId="d2b037bc-8fb4-4222-845c-61440543a456" providerId="ADAL" clId="{0B6CB96C-5C81-45BE-B402-C02C27EB3BC6}" dt="2024-01-23T17:12:46.964" v="9" actId="20577"/>
           <ac:spMkLst>
             <pc:docMk/>
             <pc:sldMk cId="1284534978" sldId="280"/>
@@ -270,455 +169,17 @@
         </pc:spChg>
       </pc:sldChg>
       <pc:sldChg chg="modSp mod">
-        <pc:chgData name="Gibbons, Carl" userId="d2b037bc-8fb4-4222-845c-61440543a456" providerId="ADAL" clId="{4505F98C-4CC4-4983-9729-597D2A150C85}" dt="2023-12-28T23:42:19.634" v="5967" actId="20577"/>
-        <pc:sldMkLst>
-          <pc:docMk/>
-          <pc:sldMk cId="1802585387" sldId="281"/>
-        </pc:sldMkLst>
-        <pc:spChg chg="mod">
-          <ac:chgData name="Gibbons, Carl" userId="d2b037bc-8fb4-4222-845c-61440543a456" providerId="ADAL" clId="{4505F98C-4CC4-4983-9729-597D2A150C85}" dt="2023-12-28T23:34:47.360" v="5351" actId="20577"/>
-          <ac:spMkLst>
-            <pc:docMk/>
-            <pc:sldMk cId="1802585387" sldId="281"/>
-            <ac:spMk id="2" creationId="{31B75992-5098-A283-4925-2CCEBB801DC5}"/>
-          </ac:spMkLst>
-        </pc:spChg>
-        <pc:spChg chg="mod">
-          <ac:chgData name="Gibbons, Carl" userId="d2b037bc-8fb4-4222-845c-61440543a456" providerId="ADAL" clId="{4505F98C-4CC4-4983-9729-597D2A150C85}" dt="2023-12-28T23:42:19.634" v="5967" actId="20577"/>
-          <ac:spMkLst>
-            <pc:docMk/>
-            <pc:sldMk cId="1802585387" sldId="281"/>
-            <ac:spMk id="3" creationId="{B5924E0F-A977-1710-779D-EEB74261AF34}"/>
-          </ac:spMkLst>
-        </pc:spChg>
-      </pc:sldChg>
-      <pc:sldChg chg="modSp mod">
-        <pc:chgData name="Gibbons, Carl" userId="d2b037bc-8fb4-4222-845c-61440543a456" providerId="ADAL" clId="{4505F98C-4CC4-4983-9729-597D2A150C85}" dt="2023-12-28T23:54:03.356" v="6623"/>
+        <pc:chgData name="Gibbons, Carl" userId="d2b037bc-8fb4-4222-845c-61440543a456" providerId="ADAL" clId="{0B6CB96C-5C81-45BE-B402-C02C27EB3BC6}" dt="2024-01-23T17:13:54.346" v="15" actId="20577"/>
         <pc:sldMkLst>
           <pc:docMk/>
           <pc:sldMk cId="724803187" sldId="282"/>
         </pc:sldMkLst>
         <pc:spChg chg="mod">
-          <ac:chgData name="Gibbons, Carl" userId="d2b037bc-8fb4-4222-845c-61440543a456" providerId="ADAL" clId="{4505F98C-4CC4-4983-9729-597D2A150C85}" dt="2023-12-28T23:39:52.399" v="5606" actId="20577"/>
-          <ac:spMkLst>
-            <pc:docMk/>
-            <pc:sldMk cId="724803187" sldId="282"/>
-            <ac:spMk id="2" creationId="{31B75992-5098-A283-4925-2CCEBB801DC5}"/>
-          </ac:spMkLst>
-        </pc:spChg>
-        <pc:spChg chg="mod">
-          <ac:chgData name="Gibbons, Carl" userId="d2b037bc-8fb4-4222-845c-61440543a456" providerId="ADAL" clId="{4505F98C-4CC4-4983-9729-597D2A150C85}" dt="2023-12-28T23:54:03.356" v="6623"/>
+          <ac:chgData name="Gibbons, Carl" userId="d2b037bc-8fb4-4222-845c-61440543a456" providerId="ADAL" clId="{0B6CB96C-5C81-45BE-B402-C02C27EB3BC6}" dt="2024-01-23T17:13:54.346" v="15" actId="20577"/>
           <ac:spMkLst>
             <pc:docMk/>
             <pc:sldMk cId="724803187" sldId="282"/>
             <ac:spMk id="3" creationId="{B5924E0F-A977-1710-779D-EEB74261AF34}"/>
-          </ac:spMkLst>
-        </pc:spChg>
-      </pc:sldChg>
-      <pc:sldChg chg="modSp mod">
-        <pc:chgData name="Gibbons, Carl" userId="d2b037bc-8fb4-4222-845c-61440543a456" providerId="ADAL" clId="{4505F98C-4CC4-4983-9729-597D2A150C85}" dt="2023-12-29T02:19:53.158" v="17637" actId="20577"/>
-        <pc:sldMkLst>
-          <pc:docMk/>
-          <pc:sldMk cId="1926009205" sldId="283"/>
-        </pc:sldMkLst>
-        <pc:spChg chg="mod">
-          <ac:chgData name="Gibbons, Carl" userId="d2b037bc-8fb4-4222-845c-61440543a456" providerId="ADAL" clId="{4505F98C-4CC4-4983-9729-597D2A150C85}" dt="2023-12-29T00:22:07.704" v="8354" actId="20577"/>
-          <ac:spMkLst>
-            <pc:docMk/>
-            <pc:sldMk cId="1926009205" sldId="283"/>
-            <ac:spMk id="2" creationId="{31B75992-5098-A283-4925-2CCEBB801DC5}"/>
-          </ac:spMkLst>
-        </pc:spChg>
-        <pc:spChg chg="mod">
-          <ac:chgData name="Gibbons, Carl" userId="d2b037bc-8fb4-4222-845c-61440543a456" providerId="ADAL" clId="{4505F98C-4CC4-4983-9729-597D2A150C85}" dt="2023-12-29T02:19:53.158" v="17637" actId="20577"/>
-          <ac:spMkLst>
-            <pc:docMk/>
-            <pc:sldMk cId="1926009205" sldId="283"/>
-            <ac:spMk id="3" creationId="{B5924E0F-A977-1710-779D-EEB74261AF34}"/>
-          </ac:spMkLst>
-        </pc:spChg>
-      </pc:sldChg>
-      <pc:sldChg chg="del">
-        <pc:chgData name="Gibbons, Carl" userId="d2b037bc-8fb4-4222-845c-61440543a456" providerId="ADAL" clId="{4505F98C-4CC4-4983-9729-597D2A150C85}" dt="2023-12-28T22:17:09.732" v="1699" actId="47"/>
-        <pc:sldMkLst>
-          <pc:docMk/>
-          <pc:sldMk cId="2959024232" sldId="283"/>
-        </pc:sldMkLst>
-      </pc:sldChg>
-      <pc:sldChg chg="modSp mod">
-        <pc:chgData name="Gibbons, Carl" userId="d2b037bc-8fb4-4222-845c-61440543a456" providerId="ADAL" clId="{4505F98C-4CC4-4983-9729-597D2A150C85}" dt="2023-12-29T00:22:15.499" v="8364" actId="20577"/>
-        <pc:sldMkLst>
-          <pc:docMk/>
-          <pc:sldMk cId="2366216895" sldId="284"/>
-        </pc:sldMkLst>
-        <pc:spChg chg="mod">
-          <ac:chgData name="Gibbons, Carl" userId="d2b037bc-8fb4-4222-845c-61440543a456" providerId="ADAL" clId="{4505F98C-4CC4-4983-9729-597D2A150C85}" dt="2023-12-29T00:22:15.499" v="8364" actId="20577"/>
-          <ac:spMkLst>
-            <pc:docMk/>
-            <pc:sldMk cId="2366216895" sldId="284"/>
-            <ac:spMk id="2" creationId="{31B75992-5098-A283-4925-2CCEBB801DC5}"/>
-          </ac:spMkLst>
-        </pc:spChg>
-        <pc:spChg chg="mod">
-          <ac:chgData name="Gibbons, Carl" userId="d2b037bc-8fb4-4222-845c-61440543a456" providerId="ADAL" clId="{4505F98C-4CC4-4983-9729-597D2A150C85}" dt="2023-12-29T00:20:51.612" v="8260" actId="20577"/>
-          <ac:spMkLst>
-            <pc:docMk/>
-            <pc:sldMk cId="2366216895" sldId="284"/>
-            <ac:spMk id="3" creationId="{B5924E0F-A977-1710-779D-EEB74261AF34}"/>
-          </ac:spMkLst>
-        </pc:spChg>
-      </pc:sldChg>
-      <pc:sldChg chg="del">
-        <pc:chgData name="Gibbons, Carl" userId="d2b037bc-8fb4-4222-845c-61440543a456" providerId="ADAL" clId="{4505F98C-4CC4-4983-9729-597D2A150C85}" dt="2023-12-28T22:17:08.965" v="1698" actId="47"/>
-        <pc:sldMkLst>
-          <pc:docMk/>
-          <pc:sldMk cId="3114675387" sldId="284"/>
-        </pc:sldMkLst>
-      </pc:sldChg>
-      <pc:sldChg chg="del">
-        <pc:chgData name="Gibbons, Carl" userId="d2b037bc-8fb4-4222-845c-61440543a456" providerId="ADAL" clId="{4505F98C-4CC4-4983-9729-597D2A150C85}" dt="2023-12-28T22:17:08.106" v="1697" actId="47"/>
-        <pc:sldMkLst>
-          <pc:docMk/>
-          <pc:sldMk cId="1243134729" sldId="285"/>
-        </pc:sldMkLst>
-      </pc:sldChg>
-      <pc:sldChg chg="modSp mod">
-        <pc:chgData name="Gibbons, Carl" userId="d2b037bc-8fb4-4222-845c-61440543a456" providerId="ADAL" clId="{4505F98C-4CC4-4983-9729-597D2A150C85}" dt="2023-12-29T01:14:23.500" v="12327" actId="20577"/>
-        <pc:sldMkLst>
-          <pc:docMk/>
-          <pc:sldMk cId="3371896289" sldId="285"/>
-        </pc:sldMkLst>
-        <pc:spChg chg="mod">
-          <ac:chgData name="Gibbons, Carl" userId="d2b037bc-8fb4-4222-845c-61440543a456" providerId="ADAL" clId="{4505F98C-4CC4-4983-9729-597D2A150C85}" dt="2023-12-29T00:22:25.432" v="8374" actId="20577"/>
-          <ac:spMkLst>
-            <pc:docMk/>
-            <pc:sldMk cId="3371896289" sldId="285"/>
-            <ac:spMk id="2" creationId="{31B75992-5098-A283-4925-2CCEBB801DC5}"/>
-          </ac:spMkLst>
-        </pc:spChg>
-        <pc:spChg chg="mod">
-          <ac:chgData name="Gibbons, Carl" userId="d2b037bc-8fb4-4222-845c-61440543a456" providerId="ADAL" clId="{4505F98C-4CC4-4983-9729-597D2A150C85}" dt="2023-12-29T01:14:23.500" v="12327" actId="20577"/>
-          <ac:spMkLst>
-            <pc:docMk/>
-            <pc:sldMk cId="3371896289" sldId="285"/>
-            <ac:spMk id="3" creationId="{B5924E0F-A977-1710-779D-EEB74261AF34}"/>
-          </ac:spMkLst>
-        </pc:spChg>
-      </pc:sldChg>
-      <pc:sldChg chg="add del">
-        <pc:chgData name="Gibbons, Carl" userId="d2b037bc-8fb4-4222-845c-61440543a456" providerId="ADAL" clId="{4505F98C-4CC4-4983-9729-597D2A150C85}" dt="2023-12-29T00:13:59.438" v="7954" actId="2696"/>
-        <pc:sldMkLst>
-          <pc:docMk/>
-          <pc:sldMk cId="3635199420" sldId="285"/>
-        </pc:sldMkLst>
-      </pc:sldChg>
-      <pc:sldChg chg="del">
-        <pc:chgData name="Gibbons, Carl" userId="d2b037bc-8fb4-4222-845c-61440543a456" providerId="ADAL" clId="{4505F98C-4CC4-4983-9729-597D2A150C85}" dt="2023-12-28T22:17:10.620" v="1700" actId="47"/>
-        <pc:sldMkLst>
-          <pc:docMk/>
-          <pc:sldMk cId="954591853" sldId="286"/>
-        </pc:sldMkLst>
-      </pc:sldChg>
-      <pc:sldChg chg="modSp mod">
-        <pc:chgData name="Gibbons, Carl" userId="d2b037bc-8fb4-4222-845c-61440543a456" providerId="ADAL" clId="{4505F98C-4CC4-4983-9729-597D2A150C85}" dt="2023-12-29T01:14:14.317" v="12318" actId="20577"/>
-        <pc:sldMkLst>
-          <pc:docMk/>
-          <pc:sldMk cId="3193160409" sldId="286"/>
-        </pc:sldMkLst>
-        <pc:spChg chg="mod">
-          <ac:chgData name="Gibbons, Carl" userId="d2b037bc-8fb4-4222-845c-61440543a456" providerId="ADAL" clId="{4505F98C-4CC4-4983-9729-597D2A150C85}" dt="2023-12-29T00:33:44.511" v="9517" actId="20577"/>
-          <ac:spMkLst>
-            <pc:docMk/>
-            <pc:sldMk cId="3193160409" sldId="286"/>
-            <ac:spMk id="2" creationId="{31B75992-5098-A283-4925-2CCEBB801DC5}"/>
-          </ac:spMkLst>
-        </pc:spChg>
-        <pc:spChg chg="mod">
-          <ac:chgData name="Gibbons, Carl" userId="d2b037bc-8fb4-4222-845c-61440543a456" providerId="ADAL" clId="{4505F98C-4CC4-4983-9729-597D2A150C85}" dt="2023-12-29T01:14:14.317" v="12318" actId="20577"/>
-          <ac:spMkLst>
-            <pc:docMk/>
-            <pc:sldMk cId="3193160409" sldId="286"/>
-            <ac:spMk id="3" creationId="{B5924E0F-A977-1710-779D-EEB74261AF34}"/>
-          </ac:spMkLst>
-        </pc:spChg>
-      </pc:sldChg>
-      <pc:sldChg chg="del">
-        <pc:chgData name="Gibbons, Carl" userId="d2b037bc-8fb4-4222-845c-61440543a456" providerId="ADAL" clId="{4505F98C-4CC4-4983-9729-597D2A150C85}" dt="2023-12-28T22:17:12.413" v="1702" actId="47"/>
-        <pc:sldMkLst>
-          <pc:docMk/>
-          <pc:sldMk cId="2614091779" sldId="287"/>
-        </pc:sldMkLst>
-      </pc:sldChg>
-      <pc:sldChg chg="modSp mod">
-        <pc:chgData name="Gibbons, Carl" userId="d2b037bc-8fb4-4222-845c-61440543a456" providerId="ADAL" clId="{4505F98C-4CC4-4983-9729-597D2A150C85}" dt="2023-12-29T02:19:05.385" v="17624"/>
-        <pc:sldMkLst>
-          <pc:docMk/>
-          <pc:sldMk cId="2688338374" sldId="287"/>
-        </pc:sldMkLst>
-        <pc:spChg chg="mod">
-          <ac:chgData name="Gibbons, Carl" userId="d2b037bc-8fb4-4222-845c-61440543a456" providerId="ADAL" clId="{4505F98C-4CC4-4983-9729-597D2A150C85}" dt="2023-12-29T00:41:11.438" v="10364" actId="20577"/>
-          <ac:spMkLst>
-            <pc:docMk/>
-            <pc:sldMk cId="2688338374" sldId="287"/>
-            <ac:spMk id="2" creationId="{31B75992-5098-A283-4925-2CCEBB801DC5}"/>
-          </ac:spMkLst>
-        </pc:spChg>
-        <pc:spChg chg="mod">
-          <ac:chgData name="Gibbons, Carl" userId="d2b037bc-8fb4-4222-845c-61440543a456" providerId="ADAL" clId="{4505F98C-4CC4-4983-9729-597D2A150C85}" dt="2023-12-29T02:19:05.385" v="17624"/>
-          <ac:spMkLst>
-            <pc:docMk/>
-            <pc:sldMk cId="2688338374" sldId="287"/>
-            <ac:spMk id="3" creationId="{B5924E0F-A977-1710-779D-EEB74261AF34}"/>
-          </ac:spMkLst>
-        </pc:spChg>
-      </pc:sldChg>
-      <pc:sldChg chg="del">
-        <pc:chgData name="Gibbons, Carl" userId="d2b037bc-8fb4-4222-845c-61440543a456" providerId="ADAL" clId="{4505F98C-4CC4-4983-9729-597D2A150C85}" dt="2023-12-28T22:17:11.407" v="1701" actId="47"/>
-        <pc:sldMkLst>
-          <pc:docMk/>
-          <pc:sldMk cId="1341659426" sldId="288"/>
-        </pc:sldMkLst>
-      </pc:sldChg>
-      <pc:sldChg chg="modSp add mod">
-        <pc:chgData name="Gibbons, Carl" userId="d2b037bc-8fb4-4222-845c-61440543a456" providerId="ADAL" clId="{4505F98C-4CC4-4983-9729-597D2A150C85}" dt="2023-12-29T01:45:37.293" v="15006"/>
-        <pc:sldMkLst>
-          <pc:docMk/>
-          <pc:sldMk cId="2142935017" sldId="288"/>
-        </pc:sldMkLst>
-        <pc:spChg chg="mod">
-          <ac:chgData name="Gibbons, Carl" userId="d2b037bc-8fb4-4222-845c-61440543a456" providerId="ADAL" clId="{4505F98C-4CC4-4983-9729-597D2A150C85}" dt="2023-12-29T01:16:27.501" v="12383" actId="20577"/>
-          <ac:spMkLst>
-            <pc:docMk/>
-            <pc:sldMk cId="2142935017" sldId="288"/>
-            <ac:spMk id="2" creationId="{31B75992-5098-A283-4925-2CCEBB801DC5}"/>
-          </ac:spMkLst>
-        </pc:spChg>
-        <pc:spChg chg="mod">
-          <ac:chgData name="Gibbons, Carl" userId="d2b037bc-8fb4-4222-845c-61440543a456" providerId="ADAL" clId="{4505F98C-4CC4-4983-9729-597D2A150C85}" dt="2023-12-29T01:45:37.293" v="15006"/>
-          <ac:spMkLst>
-            <pc:docMk/>
-            <pc:sldMk cId="2142935017" sldId="288"/>
-            <ac:spMk id="3" creationId="{B5924E0F-A977-1710-779D-EEB74261AF34}"/>
-          </ac:spMkLst>
-        </pc:spChg>
-      </pc:sldChg>
-      <pc:sldChg chg="modSp mod">
-        <pc:chgData name="Gibbons, Carl" userId="d2b037bc-8fb4-4222-845c-61440543a456" providerId="ADAL" clId="{4505F98C-4CC4-4983-9729-597D2A150C85}" dt="2023-12-29T01:50:54.342" v="15124" actId="20577"/>
-        <pc:sldMkLst>
-          <pc:docMk/>
-          <pc:sldMk cId="2784625941" sldId="289"/>
-        </pc:sldMkLst>
-        <pc:spChg chg="mod">
-          <ac:chgData name="Gibbons, Carl" userId="d2b037bc-8fb4-4222-845c-61440543a456" providerId="ADAL" clId="{4505F98C-4CC4-4983-9729-597D2A150C85}" dt="2023-12-29T01:23:40.688" v="13177" actId="20577"/>
-          <ac:spMkLst>
-            <pc:docMk/>
-            <pc:sldMk cId="2784625941" sldId="289"/>
-            <ac:spMk id="2" creationId="{31B75992-5098-A283-4925-2CCEBB801DC5}"/>
-          </ac:spMkLst>
-        </pc:spChg>
-        <pc:spChg chg="mod">
-          <ac:chgData name="Gibbons, Carl" userId="d2b037bc-8fb4-4222-845c-61440543a456" providerId="ADAL" clId="{4505F98C-4CC4-4983-9729-597D2A150C85}" dt="2023-12-29T01:50:54.342" v="15124" actId="20577"/>
-          <ac:spMkLst>
-            <pc:docMk/>
-            <pc:sldMk cId="2784625941" sldId="289"/>
-            <ac:spMk id="3" creationId="{B5924E0F-A977-1710-779D-EEB74261AF34}"/>
-          </ac:spMkLst>
-        </pc:spChg>
-      </pc:sldChg>
-      <pc:sldChg chg="del">
-        <pc:chgData name="Gibbons, Carl" userId="d2b037bc-8fb4-4222-845c-61440543a456" providerId="ADAL" clId="{4505F98C-4CC4-4983-9729-597D2A150C85}" dt="2023-12-28T22:17:05.773" v="1696" actId="47"/>
-        <pc:sldMkLst>
-          <pc:docMk/>
-          <pc:sldMk cId="2966054478" sldId="289"/>
-        </pc:sldMkLst>
-      </pc:sldChg>
-      <pc:sldChg chg="del">
-        <pc:chgData name="Gibbons, Carl" userId="d2b037bc-8fb4-4222-845c-61440543a456" providerId="ADAL" clId="{4505F98C-4CC4-4983-9729-597D2A150C85}" dt="2023-12-28T22:17:13.315" v="1703" actId="47"/>
-        <pc:sldMkLst>
-          <pc:docMk/>
-          <pc:sldMk cId="1014272238" sldId="290"/>
-        </pc:sldMkLst>
-      </pc:sldChg>
-      <pc:sldChg chg="modSp add mod">
-        <pc:chgData name="Gibbons, Carl" userId="d2b037bc-8fb4-4222-845c-61440543a456" providerId="ADAL" clId="{4505F98C-4CC4-4983-9729-597D2A150C85}" dt="2023-12-29T01:50:36.539" v="15123" actId="20577"/>
-        <pc:sldMkLst>
-          <pc:docMk/>
-          <pc:sldMk cId="1677974689" sldId="290"/>
-        </pc:sldMkLst>
-        <pc:spChg chg="mod">
-          <ac:chgData name="Gibbons, Carl" userId="d2b037bc-8fb4-4222-845c-61440543a456" providerId="ADAL" clId="{4505F98C-4CC4-4983-9729-597D2A150C85}" dt="2023-12-29T01:37:36.931" v="14365" actId="20577"/>
-          <ac:spMkLst>
-            <pc:docMk/>
-            <pc:sldMk cId="1677974689" sldId="290"/>
-            <ac:spMk id="2" creationId="{31B75992-5098-A283-4925-2CCEBB801DC5}"/>
-          </ac:spMkLst>
-        </pc:spChg>
-        <pc:spChg chg="mod">
-          <ac:chgData name="Gibbons, Carl" userId="d2b037bc-8fb4-4222-845c-61440543a456" providerId="ADAL" clId="{4505F98C-4CC4-4983-9729-597D2A150C85}" dt="2023-12-29T01:50:36.539" v="15123" actId="20577"/>
-          <ac:spMkLst>
-            <pc:docMk/>
-            <pc:sldMk cId="1677974689" sldId="290"/>
-            <ac:spMk id="3" creationId="{B5924E0F-A977-1710-779D-EEB74261AF34}"/>
-          </ac:spMkLst>
-        </pc:spChg>
-      </pc:sldChg>
-      <pc:sldChg chg="del">
-        <pc:chgData name="Gibbons, Carl" userId="d2b037bc-8fb4-4222-845c-61440543a456" providerId="ADAL" clId="{4505F98C-4CC4-4983-9729-597D2A150C85}" dt="2023-12-28T22:17:05.079" v="1695" actId="47"/>
-        <pc:sldMkLst>
-          <pc:docMk/>
-          <pc:sldMk cId="3689580349" sldId="291"/>
-        </pc:sldMkLst>
-      </pc:sldChg>
-      <pc:sldChg chg="modSp add mod">
-        <pc:chgData name="Gibbons, Carl" userId="d2b037bc-8fb4-4222-845c-61440543a456" providerId="ADAL" clId="{4505F98C-4CC4-4983-9729-597D2A150C85}" dt="2023-12-29T02:03:57.372" v="16335" actId="20577"/>
-        <pc:sldMkLst>
-          <pc:docMk/>
-          <pc:sldMk cId="4219326696" sldId="291"/>
-        </pc:sldMkLst>
-        <pc:spChg chg="mod">
-          <ac:chgData name="Gibbons, Carl" userId="d2b037bc-8fb4-4222-845c-61440543a456" providerId="ADAL" clId="{4505F98C-4CC4-4983-9729-597D2A150C85}" dt="2023-12-29T01:51:52.820" v="15161" actId="20577"/>
-          <ac:spMkLst>
-            <pc:docMk/>
-            <pc:sldMk cId="4219326696" sldId="291"/>
-            <ac:spMk id="2" creationId="{31B75992-5098-A283-4925-2CCEBB801DC5}"/>
-          </ac:spMkLst>
-        </pc:spChg>
-        <pc:spChg chg="mod">
-          <ac:chgData name="Gibbons, Carl" userId="d2b037bc-8fb4-4222-845c-61440543a456" providerId="ADAL" clId="{4505F98C-4CC4-4983-9729-597D2A150C85}" dt="2023-12-29T02:03:57.372" v="16335" actId="20577"/>
-          <ac:spMkLst>
-            <pc:docMk/>
-            <pc:sldMk cId="4219326696" sldId="291"/>
-            <ac:spMk id="3" creationId="{B5924E0F-A977-1710-779D-EEB74261AF34}"/>
-          </ac:spMkLst>
-        </pc:spChg>
-      </pc:sldChg>
-      <pc:sldChg chg="modSp add mod">
-        <pc:chgData name="Gibbons, Carl" userId="d2b037bc-8fb4-4222-845c-61440543a456" providerId="ADAL" clId="{4505F98C-4CC4-4983-9729-597D2A150C85}" dt="2023-12-29T02:16:48.887" v="17543" actId="20577"/>
-        <pc:sldMkLst>
-          <pc:docMk/>
-          <pc:sldMk cId="33911121" sldId="292"/>
-        </pc:sldMkLst>
-        <pc:spChg chg="mod">
-          <ac:chgData name="Gibbons, Carl" userId="d2b037bc-8fb4-4222-845c-61440543a456" providerId="ADAL" clId="{4505F98C-4CC4-4983-9729-597D2A150C85}" dt="2023-12-29T02:06:26.879" v="16405" actId="20577"/>
-          <ac:spMkLst>
-            <pc:docMk/>
-            <pc:sldMk cId="33911121" sldId="292"/>
-            <ac:spMk id="2" creationId="{1862E903-3C56-BB42-2361-009F2336475A}"/>
-          </ac:spMkLst>
-        </pc:spChg>
-        <pc:spChg chg="mod">
-          <ac:chgData name="Gibbons, Carl" userId="d2b037bc-8fb4-4222-845c-61440543a456" providerId="ADAL" clId="{4505F98C-4CC4-4983-9729-597D2A150C85}" dt="2023-12-29T02:16:48.887" v="17543" actId="20577"/>
-          <ac:spMkLst>
-            <pc:docMk/>
-            <pc:sldMk cId="33911121" sldId="292"/>
-            <ac:spMk id="3" creationId="{90179172-96B3-95D0-A137-257770BE7642}"/>
-          </ac:spMkLst>
-        </pc:spChg>
-      </pc:sldChg>
-      <pc:sldChg chg="del">
-        <pc:chgData name="Gibbons, Carl" userId="d2b037bc-8fb4-4222-845c-61440543a456" providerId="ADAL" clId="{4505F98C-4CC4-4983-9729-597D2A150C85}" dt="2023-12-28T22:17:14.720" v="1704" actId="47"/>
-        <pc:sldMkLst>
-          <pc:docMk/>
-          <pc:sldMk cId="2738411615" sldId="292"/>
-        </pc:sldMkLst>
-      </pc:sldChg>
-      <pc:sldChg chg="del">
-        <pc:chgData name="Gibbons, Carl" userId="d2b037bc-8fb4-4222-845c-61440543a456" providerId="ADAL" clId="{4505F98C-4CC4-4983-9729-597D2A150C85}" dt="2023-12-28T22:17:04.103" v="1694" actId="47"/>
-        <pc:sldMkLst>
-          <pc:docMk/>
-          <pc:sldMk cId="852415543" sldId="293"/>
-        </pc:sldMkLst>
-      </pc:sldChg>
-    </pc:docChg>
-  </pc:docChgLst>
-  <pc:docChgLst>
-    <pc:chgData name="Gibbons, Carl" userId="d2b037bc-8fb4-4222-845c-61440543a456" providerId="ADAL" clId="{C1E6ABF6-BAED-4B26-97DB-20A1E8B7A1A4}"/>
-    <pc:docChg chg="custSel modSld">
-      <pc:chgData name="Gibbons, Carl" userId="d2b037bc-8fb4-4222-845c-61440543a456" providerId="ADAL" clId="{C1E6ABF6-BAED-4B26-97DB-20A1E8B7A1A4}" dt="2023-12-06T02:23:48.337" v="274" actId="20577"/>
-      <pc:docMkLst>
-        <pc:docMk/>
-      </pc:docMkLst>
-      <pc:sldChg chg="modSp mod">
-        <pc:chgData name="Gibbons, Carl" userId="d2b037bc-8fb4-4222-845c-61440543a456" providerId="ADAL" clId="{C1E6ABF6-BAED-4B26-97DB-20A1E8B7A1A4}" dt="2023-11-21T16:22:17.597" v="97" actId="20577"/>
-        <pc:sldMkLst>
-          <pc:docMk/>
-          <pc:sldMk cId="3308175748" sldId="256"/>
-        </pc:sldMkLst>
-        <pc:spChg chg="mod">
-          <ac:chgData name="Gibbons, Carl" userId="d2b037bc-8fb4-4222-845c-61440543a456" providerId="ADAL" clId="{C1E6ABF6-BAED-4B26-97DB-20A1E8B7A1A4}" dt="2023-11-21T05:49:34.464" v="2"/>
-          <ac:spMkLst>
-            <pc:docMk/>
-            <pc:sldMk cId="3308175748" sldId="256"/>
-            <ac:spMk id="2" creationId="{ACEA2649-DC6B-3373-A7E6-7F0E103D8B8B}"/>
-          </ac:spMkLst>
-        </pc:spChg>
-        <pc:spChg chg="mod">
-          <ac:chgData name="Gibbons, Carl" userId="d2b037bc-8fb4-4222-845c-61440543a456" providerId="ADAL" clId="{C1E6ABF6-BAED-4B26-97DB-20A1E8B7A1A4}" dt="2023-11-21T16:22:17.597" v="97" actId="20577"/>
-          <ac:spMkLst>
-            <pc:docMk/>
-            <pc:sldMk cId="3308175748" sldId="256"/>
-            <ac:spMk id="3" creationId="{EEC4D41B-E776-05F2-BE0B-89BB339485AB}"/>
-          </ac:spMkLst>
-        </pc:spChg>
-        <pc:spChg chg="mod">
-          <ac:chgData name="Gibbons, Carl" userId="d2b037bc-8fb4-4222-845c-61440543a456" providerId="ADAL" clId="{C1E6ABF6-BAED-4B26-97DB-20A1E8B7A1A4}" dt="2023-11-21T05:49:34.464" v="2"/>
-          <ac:spMkLst>
-            <pc:docMk/>
-            <pc:sldMk cId="3308175748" sldId="256"/>
-            <ac:spMk id="4" creationId="{4664ABB7-0B55-0242-2E51-B3286EE7B5EB}"/>
-          </ac:spMkLst>
-        </pc:spChg>
-      </pc:sldChg>
-      <pc:sldChg chg="modSp">
-        <pc:chgData name="Gibbons, Carl" userId="d2b037bc-8fb4-4222-845c-61440543a456" providerId="ADAL" clId="{C1E6ABF6-BAED-4B26-97DB-20A1E8B7A1A4}" dt="2023-11-21T05:49:34.464" v="2"/>
-        <pc:sldMkLst>
-          <pc:docMk/>
-          <pc:sldMk cId="2312486803" sldId="261"/>
-        </pc:sldMkLst>
-        <pc:spChg chg="mod">
-          <ac:chgData name="Gibbons, Carl" userId="d2b037bc-8fb4-4222-845c-61440543a456" providerId="ADAL" clId="{C1E6ABF6-BAED-4B26-97DB-20A1E8B7A1A4}" dt="2023-11-21T05:49:34.464" v="2"/>
-          <ac:spMkLst>
-            <pc:docMk/>
-            <pc:sldMk cId="2312486803" sldId="261"/>
-            <ac:spMk id="2" creationId="{31B75992-5098-A283-4925-2CCEBB801DC5}"/>
-          </ac:spMkLst>
-        </pc:spChg>
-      </pc:sldChg>
-      <pc:sldChg chg="modSp mod">
-        <pc:chgData name="Gibbons, Carl" userId="d2b037bc-8fb4-4222-845c-61440543a456" providerId="ADAL" clId="{C1E6ABF6-BAED-4B26-97DB-20A1E8B7A1A4}" dt="2023-11-21T07:48:19.790" v="77" actId="20577"/>
-        <pc:sldMkLst>
-          <pc:docMk/>
-          <pc:sldMk cId="378743348" sldId="270"/>
-        </pc:sldMkLst>
-        <pc:spChg chg="mod">
-          <ac:chgData name="Gibbons, Carl" userId="d2b037bc-8fb4-4222-845c-61440543a456" providerId="ADAL" clId="{C1E6ABF6-BAED-4B26-97DB-20A1E8B7A1A4}" dt="2023-11-21T07:48:19.790" v="77" actId="20577"/>
-          <ac:spMkLst>
-            <pc:docMk/>
-            <pc:sldMk cId="378743348" sldId="270"/>
-            <ac:spMk id="3" creationId="{80041865-9773-290D-EB35-F8AF8BFC505C}"/>
-          </ac:spMkLst>
-        </pc:spChg>
-      </pc:sldChg>
-      <pc:sldChg chg="modSp mod">
-        <pc:chgData name="Gibbons, Carl" userId="d2b037bc-8fb4-4222-845c-61440543a456" providerId="ADAL" clId="{C1E6ABF6-BAED-4B26-97DB-20A1E8B7A1A4}" dt="2023-12-06T02:23:48.337" v="274" actId="20577"/>
-        <pc:sldMkLst>
-          <pc:docMk/>
-          <pc:sldMk cId="657795359" sldId="277"/>
-        </pc:sldMkLst>
-        <pc:spChg chg="mod">
-          <ac:chgData name="Gibbons, Carl" userId="d2b037bc-8fb4-4222-845c-61440543a456" providerId="ADAL" clId="{C1E6ABF6-BAED-4B26-97DB-20A1E8B7A1A4}" dt="2023-11-21T05:49:34.464" v="2"/>
-          <ac:spMkLst>
-            <pc:docMk/>
-            <pc:sldMk cId="657795359" sldId="277"/>
-            <ac:spMk id="2" creationId="{1862E903-3C56-BB42-2361-009F2336475A}"/>
-          </ac:spMkLst>
-        </pc:spChg>
-        <pc:spChg chg="mod">
-          <ac:chgData name="Gibbons, Carl" userId="d2b037bc-8fb4-4222-845c-61440543a456" providerId="ADAL" clId="{C1E6ABF6-BAED-4B26-97DB-20A1E8B7A1A4}" dt="2023-12-06T02:23:48.337" v="274" actId="20577"/>
-          <ac:spMkLst>
-            <pc:docMk/>
-            <pc:sldMk cId="657795359" sldId="277"/>
-            <ac:spMk id="3" creationId="{90179172-96B3-95D0-A137-257770BE7642}"/>
           </ac:spMkLst>
         </pc:spChg>
       </pc:sldChg>
@@ -1184,6 +645,590 @@
     </pc:docChg>
   </pc:docChgLst>
   <pc:docChgLst>
+    <pc:chgData name="Gibbons, Carl" userId="d2b037bc-8fb4-4222-845c-61440543a456" providerId="ADAL" clId="{4505F98C-4CC4-4983-9729-597D2A150C85}"/>
+    <pc:docChg chg="undo custSel addSld delSld modSld">
+      <pc:chgData name="Gibbons, Carl" userId="d2b037bc-8fb4-4222-845c-61440543a456" providerId="ADAL" clId="{4505F98C-4CC4-4983-9729-597D2A150C85}" dt="2023-12-29T02:21:47.448" v="17685" actId="20577"/>
+      <pc:docMkLst>
+        <pc:docMk/>
+      </pc:docMkLst>
+      <pc:sldChg chg="modSp mod">
+        <pc:chgData name="Gibbons, Carl" userId="d2b037bc-8fb4-4222-845c-61440543a456" providerId="ADAL" clId="{4505F98C-4CC4-4983-9729-597D2A150C85}" dt="2023-12-28T22:02:31.848" v="28" actId="20577"/>
+        <pc:sldMkLst>
+          <pc:docMk/>
+          <pc:sldMk cId="3308175748" sldId="256"/>
+        </pc:sldMkLst>
+        <pc:spChg chg="mod">
+          <ac:chgData name="Gibbons, Carl" userId="d2b037bc-8fb4-4222-845c-61440543a456" providerId="ADAL" clId="{4505F98C-4CC4-4983-9729-597D2A150C85}" dt="2023-12-28T22:02:31.848" v="28" actId="20577"/>
+          <ac:spMkLst>
+            <pc:docMk/>
+            <pc:sldMk cId="3308175748" sldId="256"/>
+            <ac:spMk id="3" creationId="{EEC4D41B-E776-05F2-BE0B-89BB339485AB}"/>
+          </ac:spMkLst>
+        </pc:spChg>
+      </pc:sldChg>
+      <pc:sldChg chg="modSp mod">
+        <pc:chgData name="Gibbons, Carl" userId="d2b037bc-8fb4-4222-845c-61440543a456" providerId="ADAL" clId="{4505F98C-4CC4-4983-9729-597D2A150C85}" dt="2023-12-28T22:45:53.299" v="4302" actId="20577"/>
+        <pc:sldMkLst>
+          <pc:docMk/>
+          <pc:sldMk cId="2312486803" sldId="261"/>
+        </pc:sldMkLst>
+        <pc:spChg chg="mod">
+          <ac:chgData name="Gibbons, Carl" userId="d2b037bc-8fb4-4222-845c-61440543a456" providerId="ADAL" clId="{4505F98C-4CC4-4983-9729-597D2A150C85}" dt="2023-12-28T22:02:40.492" v="50" actId="20577"/>
+          <ac:spMkLst>
+            <pc:docMk/>
+            <pc:sldMk cId="2312486803" sldId="261"/>
+            <ac:spMk id="2" creationId="{31B75992-5098-A283-4925-2CCEBB801DC5}"/>
+          </ac:spMkLst>
+        </pc:spChg>
+        <pc:spChg chg="mod">
+          <ac:chgData name="Gibbons, Carl" userId="d2b037bc-8fb4-4222-845c-61440543a456" providerId="ADAL" clId="{4505F98C-4CC4-4983-9729-597D2A150C85}" dt="2023-12-28T22:45:53.299" v="4302" actId="20577"/>
+          <ac:spMkLst>
+            <pc:docMk/>
+            <pc:sldMk cId="2312486803" sldId="261"/>
+            <ac:spMk id="3" creationId="{B5924E0F-A977-1710-779D-EEB74261AF34}"/>
+          </ac:spMkLst>
+        </pc:spChg>
+      </pc:sldChg>
+      <pc:sldChg chg="modSp mod">
+        <pc:chgData name="Gibbons, Carl" userId="d2b037bc-8fb4-4222-845c-61440543a456" providerId="ADAL" clId="{4505F98C-4CC4-4983-9729-597D2A150C85}" dt="2023-12-29T02:18:39.170" v="17623" actId="20577"/>
+        <pc:sldMkLst>
+          <pc:docMk/>
+          <pc:sldMk cId="657795359" sldId="277"/>
+        </pc:sldMkLst>
+        <pc:spChg chg="mod">
+          <ac:chgData name="Gibbons, Carl" userId="d2b037bc-8fb4-4222-845c-61440543a456" providerId="ADAL" clId="{4505F98C-4CC4-4983-9729-597D2A150C85}" dt="2023-12-29T02:18:39.170" v="17623" actId="20577"/>
+          <ac:spMkLst>
+            <pc:docMk/>
+            <pc:sldMk cId="657795359" sldId="277"/>
+            <ac:spMk id="3" creationId="{90179172-96B3-95D0-A137-257770BE7642}"/>
+          </ac:spMkLst>
+        </pc:spChg>
+      </pc:sldChg>
+      <pc:sldChg chg="modSp mod">
+        <pc:chgData name="Gibbons, Carl" userId="d2b037bc-8fb4-4222-845c-61440543a456" providerId="ADAL" clId="{4505F98C-4CC4-4983-9729-597D2A150C85}" dt="2023-12-29T02:21:47.448" v="17685" actId="20577"/>
+        <pc:sldMkLst>
+          <pc:docMk/>
+          <pc:sldMk cId="3989541258" sldId="278"/>
+        </pc:sldMkLst>
+        <pc:spChg chg="mod">
+          <ac:chgData name="Gibbons, Carl" userId="d2b037bc-8fb4-4222-845c-61440543a456" providerId="ADAL" clId="{4505F98C-4CC4-4983-9729-597D2A150C85}" dt="2023-12-28T22:23:56.363" v="2262" actId="20577"/>
+          <ac:spMkLst>
+            <pc:docMk/>
+            <pc:sldMk cId="3989541258" sldId="278"/>
+            <ac:spMk id="2" creationId="{31B75992-5098-A283-4925-2CCEBB801DC5}"/>
+          </ac:spMkLst>
+        </pc:spChg>
+        <pc:spChg chg="mod">
+          <ac:chgData name="Gibbons, Carl" userId="d2b037bc-8fb4-4222-845c-61440543a456" providerId="ADAL" clId="{4505F98C-4CC4-4983-9729-597D2A150C85}" dt="2023-12-29T02:21:47.448" v="17685" actId="20577"/>
+          <ac:spMkLst>
+            <pc:docMk/>
+            <pc:sldMk cId="3989541258" sldId="278"/>
+            <ac:spMk id="3" creationId="{B5924E0F-A977-1710-779D-EEB74261AF34}"/>
+          </ac:spMkLst>
+        </pc:spChg>
+      </pc:sldChg>
+      <pc:sldChg chg="modSp mod">
+        <pc:chgData name="Gibbons, Carl" userId="d2b037bc-8fb4-4222-845c-61440543a456" providerId="ADAL" clId="{4505F98C-4CC4-4983-9729-597D2A150C85}" dt="2023-12-29T00:21:55.646" v="8344" actId="20577"/>
+        <pc:sldMkLst>
+          <pc:docMk/>
+          <pc:sldMk cId="2335633195" sldId="279"/>
+        </pc:sldMkLst>
+        <pc:spChg chg="mod">
+          <ac:chgData name="Gibbons, Carl" userId="d2b037bc-8fb4-4222-845c-61440543a456" providerId="ADAL" clId="{4505F98C-4CC4-4983-9729-597D2A150C85}" dt="2023-12-29T00:21:55.646" v="8344" actId="20577"/>
+          <ac:spMkLst>
+            <pc:docMk/>
+            <pc:sldMk cId="2335633195" sldId="279"/>
+            <ac:spMk id="2" creationId="{31B75992-5098-A283-4925-2CCEBB801DC5}"/>
+          </ac:spMkLst>
+        </pc:spChg>
+        <pc:spChg chg="mod">
+          <ac:chgData name="Gibbons, Carl" userId="d2b037bc-8fb4-4222-845c-61440543a456" providerId="ADAL" clId="{4505F98C-4CC4-4983-9729-597D2A150C85}" dt="2023-12-28T22:56:22.080" v="4730" actId="20577"/>
+          <ac:spMkLst>
+            <pc:docMk/>
+            <pc:sldMk cId="2335633195" sldId="279"/>
+            <ac:spMk id="3" creationId="{B5924E0F-A977-1710-779D-EEB74261AF34}"/>
+          </ac:spMkLst>
+        </pc:spChg>
+      </pc:sldChg>
+      <pc:sldChg chg="modSp add mod">
+        <pc:chgData name="Gibbons, Carl" userId="d2b037bc-8fb4-4222-845c-61440543a456" providerId="ADAL" clId="{4505F98C-4CC4-4983-9729-597D2A150C85}" dt="2023-12-28T23:39:19.135" v="5592" actId="20577"/>
+        <pc:sldMkLst>
+          <pc:docMk/>
+          <pc:sldMk cId="1284534978" sldId="280"/>
+        </pc:sldMkLst>
+        <pc:spChg chg="mod">
+          <ac:chgData name="Gibbons, Carl" userId="d2b037bc-8fb4-4222-845c-61440543a456" providerId="ADAL" clId="{4505F98C-4CC4-4983-9729-597D2A150C85}" dt="2023-12-28T23:26:13.166" v="4743" actId="20577"/>
+          <ac:spMkLst>
+            <pc:docMk/>
+            <pc:sldMk cId="1284534978" sldId="280"/>
+            <ac:spMk id="2" creationId="{31B75992-5098-A283-4925-2CCEBB801DC5}"/>
+          </ac:spMkLst>
+        </pc:spChg>
+        <pc:spChg chg="mod">
+          <ac:chgData name="Gibbons, Carl" userId="d2b037bc-8fb4-4222-845c-61440543a456" providerId="ADAL" clId="{4505F98C-4CC4-4983-9729-597D2A150C85}" dt="2023-12-28T23:39:19.135" v="5592" actId="20577"/>
+          <ac:spMkLst>
+            <pc:docMk/>
+            <pc:sldMk cId="1284534978" sldId="280"/>
+            <ac:spMk id="3" creationId="{B5924E0F-A977-1710-779D-EEB74261AF34}"/>
+          </ac:spMkLst>
+        </pc:spChg>
+      </pc:sldChg>
+      <pc:sldChg chg="modSp mod">
+        <pc:chgData name="Gibbons, Carl" userId="d2b037bc-8fb4-4222-845c-61440543a456" providerId="ADAL" clId="{4505F98C-4CC4-4983-9729-597D2A150C85}" dt="2023-12-28T23:42:19.634" v="5967" actId="20577"/>
+        <pc:sldMkLst>
+          <pc:docMk/>
+          <pc:sldMk cId="1802585387" sldId="281"/>
+        </pc:sldMkLst>
+        <pc:spChg chg="mod">
+          <ac:chgData name="Gibbons, Carl" userId="d2b037bc-8fb4-4222-845c-61440543a456" providerId="ADAL" clId="{4505F98C-4CC4-4983-9729-597D2A150C85}" dt="2023-12-28T23:34:47.360" v="5351" actId="20577"/>
+          <ac:spMkLst>
+            <pc:docMk/>
+            <pc:sldMk cId="1802585387" sldId="281"/>
+            <ac:spMk id="2" creationId="{31B75992-5098-A283-4925-2CCEBB801DC5}"/>
+          </ac:spMkLst>
+        </pc:spChg>
+        <pc:spChg chg="mod">
+          <ac:chgData name="Gibbons, Carl" userId="d2b037bc-8fb4-4222-845c-61440543a456" providerId="ADAL" clId="{4505F98C-4CC4-4983-9729-597D2A150C85}" dt="2023-12-28T23:42:19.634" v="5967" actId="20577"/>
+          <ac:spMkLst>
+            <pc:docMk/>
+            <pc:sldMk cId="1802585387" sldId="281"/>
+            <ac:spMk id="3" creationId="{B5924E0F-A977-1710-779D-EEB74261AF34}"/>
+          </ac:spMkLst>
+        </pc:spChg>
+      </pc:sldChg>
+      <pc:sldChg chg="modSp mod">
+        <pc:chgData name="Gibbons, Carl" userId="d2b037bc-8fb4-4222-845c-61440543a456" providerId="ADAL" clId="{4505F98C-4CC4-4983-9729-597D2A150C85}" dt="2023-12-28T23:54:03.356" v="6623"/>
+        <pc:sldMkLst>
+          <pc:docMk/>
+          <pc:sldMk cId="724803187" sldId="282"/>
+        </pc:sldMkLst>
+        <pc:spChg chg="mod">
+          <ac:chgData name="Gibbons, Carl" userId="d2b037bc-8fb4-4222-845c-61440543a456" providerId="ADAL" clId="{4505F98C-4CC4-4983-9729-597D2A150C85}" dt="2023-12-28T23:39:52.399" v="5606" actId="20577"/>
+          <ac:spMkLst>
+            <pc:docMk/>
+            <pc:sldMk cId="724803187" sldId="282"/>
+            <ac:spMk id="2" creationId="{31B75992-5098-A283-4925-2CCEBB801DC5}"/>
+          </ac:spMkLst>
+        </pc:spChg>
+        <pc:spChg chg="mod">
+          <ac:chgData name="Gibbons, Carl" userId="d2b037bc-8fb4-4222-845c-61440543a456" providerId="ADAL" clId="{4505F98C-4CC4-4983-9729-597D2A150C85}" dt="2023-12-28T23:54:03.356" v="6623"/>
+          <ac:spMkLst>
+            <pc:docMk/>
+            <pc:sldMk cId="724803187" sldId="282"/>
+            <ac:spMk id="3" creationId="{B5924E0F-A977-1710-779D-EEB74261AF34}"/>
+          </ac:spMkLst>
+        </pc:spChg>
+      </pc:sldChg>
+      <pc:sldChg chg="modSp mod">
+        <pc:chgData name="Gibbons, Carl" userId="d2b037bc-8fb4-4222-845c-61440543a456" providerId="ADAL" clId="{4505F98C-4CC4-4983-9729-597D2A150C85}" dt="2023-12-29T02:19:53.158" v="17637" actId="20577"/>
+        <pc:sldMkLst>
+          <pc:docMk/>
+          <pc:sldMk cId="1926009205" sldId="283"/>
+        </pc:sldMkLst>
+        <pc:spChg chg="mod">
+          <ac:chgData name="Gibbons, Carl" userId="d2b037bc-8fb4-4222-845c-61440543a456" providerId="ADAL" clId="{4505F98C-4CC4-4983-9729-597D2A150C85}" dt="2023-12-29T00:22:07.704" v="8354" actId="20577"/>
+          <ac:spMkLst>
+            <pc:docMk/>
+            <pc:sldMk cId="1926009205" sldId="283"/>
+            <ac:spMk id="2" creationId="{31B75992-5098-A283-4925-2CCEBB801DC5}"/>
+          </ac:spMkLst>
+        </pc:spChg>
+        <pc:spChg chg="mod">
+          <ac:chgData name="Gibbons, Carl" userId="d2b037bc-8fb4-4222-845c-61440543a456" providerId="ADAL" clId="{4505F98C-4CC4-4983-9729-597D2A150C85}" dt="2023-12-29T02:19:53.158" v="17637" actId="20577"/>
+          <ac:spMkLst>
+            <pc:docMk/>
+            <pc:sldMk cId="1926009205" sldId="283"/>
+            <ac:spMk id="3" creationId="{B5924E0F-A977-1710-779D-EEB74261AF34}"/>
+          </ac:spMkLst>
+        </pc:spChg>
+      </pc:sldChg>
+      <pc:sldChg chg="del">
+        <pc:chgData name="Gibbons, Carl" userId="d2b037bc-8fb4-4222-845c-61440543a456" providerId="ADAL" clId="{4505F98C-4CC4-4983-9729-597D2A150C85}" dt="2023-12-28T22:17:09.732" v="1699" actId="47"/>
+        <pc:sldMkLst>
+          <pc:docMk/>
+          <pc:sldMk cId="2959024232" sldId="283"/>
+        </pc:sldMkLst>
+      </pc:sldChg>
+      <pc:sldChg chg="modSp mod">
+        <pc:chgData name="Gibbons, Carl" userId="d2b037bc-8fb4-4222-845c-61440543a456" providerId="ADAL" clId="{4505F98C-4CC4-4983-9729-597D2A150C85}" dt="2023-12-29T00:22:15.499" v="8364" actId="20577"/>
+        <pc:sldMkLst>
+          <pc:docMk/>
+          <pc:sldMk cId="2366216895" sldId="284"/>
+        </pc:sldMkLst>
+        <pc:spChg chg="mod">
+          <ac:chgData name="Gibbons, Carl" userId="d2b037bc-8fb4-4222-845c-61440543a456" providerId="ADAL" clId="{4505F98C-4CC4-4983-9729-597D2A150C85}" dt="2023-12-29T00:22:15.499" v="8364" actId="20577"/>
+          <ac:spMkLst>
+            <pc:docMk/>
+            <pc:sldMk cId="2366216895" sldId="284"/>
+            <ac:spMk id="2" creationId="{31B75992-5098-A283-4925-2CCEBB801DC5}"/>
+          </ac:spMkLst>
+        </pc:spChg>
+        <pc:spChg chg="mod">
+          <ac:chgData name="Gibbons, Carl" userId="d2b037bc-8fb4-4222-845c-61440543a456" providerId="ADAL" clId="{4505F98C-4CC4-4983-9729-597D2A150C85}" dt="2023-12-29T00:20:51.612" v="8260" actId="20577"/>
+          <ac:spMkLst>
+            <pc:docMk/>
+            <pc:sldMk cId="2366216895" sldId="284"/>
+            <ac:spMk id="3" creationId="{B5924E0F-A977-1710-779D-EEB74261AF34}"/>
+          </ac:spMkLst>
+        </pc:spChg>
+      </pc:sldChg>
+      <pc:sldChg chg="del">
+        <pc:chgData name="Gibbons, Carl" userId="d2b037bc-8fb4-4222-845c-61440543a456" providerId="ADAL" clId="{4505F98C-4CC4-4983-9729-597D2A150C85}" dt="2023-12-28T22:17:08.965" v="1698" actId="47"/>
+        <pc:sldMkLst>
+          <pc:docMk/>
+          <pc:sldMk cId="3114675387" sldId="284"/>
+        </pc:sldMkLst>
+      </pc:sldChg>
+      <pc:sldChg chg="del">
+        <pc:chgData name="Gibbons, Carl" userId="d2b037bc-8fb4-4222-845c-61440543a456" providerId="ADAL" clId="{4505F98C-4CC4-4983-9729-597D2A150C85}" dt="2023-12-28T22:17:08.106" v="1697" actId="47"/>
+        <pc:sldMkLst>
+          <pc:docMk/>
+          <pc:sldMk cId="1243134729" sldId="285"/>
+        </pc:sldMkLst>
+      </pc:sldChg>
+      <pc:sldChg chg="modSp mod">
+        <pc:chgData name="Gibbons, Carl" userId="d2b037bc-8fb4-4222-845c-61440543a456" providerId="ADAL" clId="{4505F98C-4CC4-4983-9729-597D2A150C85}" dt="2023-12-29T01:14:23.500" v="12327" actId="20577"/>
+        <pc:sldMkLst>
+          <pc:docMk/>
+          <pc:sldMk cId="3371896289" sldId="285"/>
+        </pc:sldMkLst>
+        <pc:spChg chg="mod">
+          <ac:chgData name="Gibbons, Carl" userId="d2b037bc-8fb4-4222-845c-61440543a456" providerId="ADAL" clId="{4505F98C-4CC4-4983-9729-597D2A150C85}" dt="2023-12-29T00:22:25.432" v="8374" actId="20577"/>
+          <ac:spMkLst>
+            <pc:docMk/>
+            <pc:sldMk cId="3371896289" sldId="285"/>
+            <ac:spMk id="2" creationId="{31B75992-5098-A283-4925-2CCEBB801DC5}"/>
+          </ac:spMkLst>
+        </pc:spChg>
+        <pc:spChg chg="mod">
+          <ac:chgData name="Gibbons, Carl" userId="d2b037bc-8fb4-4222-845c-61440543a456" providerId="ADAL" clId="{4505F98C-4CC4-4983-9729-597D2A150C85}" dt="2023-12-29T01:14:23.500" v="12327" actId="20577"/>
+          <ac:spMkLst>
+            <pc:docMk/>
+            <pc:sldMk cId="3371896289" sldId="285"/>
+            <ac:spMk id="3" creationId="{B5924E0F-A977-1710-779D-EEB74261AF34}"/>
+          </ac:spMkLst>
+        </pc:spChg>
+      </pc:sldChg>
+      <pc:sldChg chg="add del">
+        <pc:chgData name="Gibbons, Carl" userId="d2b037bc-8fb4-4222-845c-61440543a456" providerId="ADAL" clId="{4505F98C-4CC4-4983-9729-597D2A150C85}" dt="2023-12-29T00:13:59.438" v="7954" actId="2696"/>
+        <pc:sldMkLst>
+          <pc:docMk/>
+          <pc:sldMk cId="3635199420" sldId="285"/>
+        </pc:sldMkLst>
+      </pc:sldChg>
+      <pc:sldChg chg="del">
+        <pc:chgData name="Gibbons, Carl" userId="d2b037bc-8fb4-4222-845c-61440543a456" providerId="ADAL" clId="{4505F98C-4CC4-4983-9729-597D2A150C85}" dt="2023-12-28T22:17:10.620" v="1700" actId="47"/>
+        <pc:sldMkLst>
+          <pc:docMk/>
+          <pc:sldMk cId="954591853" sldId="286"/>
+        </pc:sldMkLst>
+      </pc:sldChg>
+      <pc:sldChg chg="modSp mod">
+        <pc:chgData name="Gibbons, Carl" userId="d2b037bc-8fb4-4222-845c-61440543a456" providerId="ADAL" clId="{4505F98C-4CC4-4983-9729-597D2A150C85}" dt="2023-12-29T01:14:14.317" v="12318" actId="20577"/>
+        <pc:sldMkLst>
+          <pc:docMk/>
+          <pc:sldMk cId="3193160409" sldId="286"/>
+        </pc:sldMkLst>
+        <pc:spChg chg="mod">
+          <ac:chgData name="Gibbons, Carl" userId="d2b037bc-8fb4-4222-845c-61440543a456" providerId="ADAL" clId="{4505F98C-4CC4-4983-9729-597D2A150C85}" dt="2023-12-29T00:33:44.511" v="9517" actId="20577"/>
+          <ac:spMkLst>
+            <pc:docMk/>
+            <pc:sldMk cId="3193160409" sldId="286"/>
+            <ac:spMk id="2" creationId="{31B75992-5098-A283-4925-2CCEBB801DC5}"/>
+          </ac:spMkLst>
+        </pc:spChg>
+        <pc:spChg chg="mod">
+          <ac:chgData name="Gibbons, Carl" userId="d2b037bc-8fb4-4222-845c-61440543a456" providerId="ADAL" clId="{4505F98C-4CC4-4983-9729-597D2A150C85}" dt="2023-12-29T01:14:14.317" v="12318" actId="20577"/>
+          <ac:spMkLst>
+            <pc:docMk/>
+            <pc:sldMk cId="3193160409" sldId="286"/>
+            <ac:spMk id="3" creationId="{B5924E0F-A977-1710-779D-EEB74261AF34}"/>
+          </ac:spMkLst>
+        </pc:spChg>
+      </pc:sldChg>
+      <pc:sldChg chg="del">
+        <pc:chgData name="Gibbons, Carl" userId="d2b037bc-8fb4-4222-845c-61440543a456" providerId="ADAL" clId="{4505F98C-4CC4-4983-9729-597D2A150C85}" dt="2023-12-28T22:17:12.413" v="1702" actId="47"/>
+        <pc:sldMkLst>
+          <pc:docMk/>
+          <pc:sldMk cId="2614091779" sldId="287"/>
+        </pc:sldMkLst>
+      </pc:sldChg>
+      <pc:sldChg chg="modSp mod">
+        <pc:chgData name="Gibbons, Carl" userId="d2b037bc-8fb4-4222-845c-61440543a456" providerId="ADAL" clId="{4505F98C-4CC4-4983-9729-597D2A150C85}" dt="2023-12-29T02:19:05.385" v="17624"/>
+        <pc:sldMkLst>
+          <pc:docMk/>
+          <pc:sldMk cId="2688338374" sldId="287"/>
+        </pc:sldMkLst>
+        <pc:spChg chg="mod">
+          <ac:chgData name="Gibbons, Carl" userId="d2b037bc-8fb4-4222-845c-61440543a456" providerId="ADAL" clId="{4505F98C-4CC4-4983-9729-597D2A150C85}" dt="2023-12-29T00:41:11.438" v="10364" actId="20577"/>
+          <ac:spMkLst>
+            <pc:docMk/>
+            <pc:sldMk cId="2688338374" sldId="287"/>
+            <ac:spMk id="2" creationId="{31B75992-5098-A283-4925-2CCEBB801DC5}"/>
+          </ac:spMkLst>
+        </pc:spChg>
+        <pc:spChg chg="mod">
+          <ac:chgData name="Gibbons, Carl" userId="d2b037bc-8fb4-4222-845c-61440543a456" providerId="ADAL" clId="{4505F98C-4CC4-4983-9729-597D2A150C85}" dt="2023-12-29T02:19:05.385" v="17624"/>
+          <ac:spMkLst>
+            <pc:docMk/>
+            <pc:sldMk cId="2688338374" sldId="287"/>
+            <ac:spMk id="3" creationId="{B5924E0F-A977-1710-779D-EEB74261AF34}"/>
+          </ac:spMkLst>
+        </pc:spChg>
+      </pc:sldChg>
+      <pc:sldChg chg="del">
+        <pc:chgData name="Gibbons, Carl" userId="d2b037bc-8fb4-4222-845c-61440543a456" providerId="ADAL" clId="{4505F98C-4CC4-4983-9729-597D2A150C85}" dt="2023-12-28T22:17:11.407" v="1701" actId="47"/>
+        <pc:sldMkLst>
+          <pc:docMk/>
+          <pc:sldMk cId="1341659426" sldId="288"/>
+        </pc:sldMkLst>
+      </pc:sldChg>
+      <pc:sldChg chg="modSp add mod">
+        <pc:chgData name="Gibbons, Carl" userId="d2b037bc-8fb4-4222-845c-61440543a456" providerId="ADAL" clId="{4505F98C-4CC4-4983-9729-597D2A150C85}" dt="2023-12-29T01:45:37.293" v="15006"/>
+        <pc:sldMkLst>
+          <pc:docMk/>
+          <pc:sldMk cId="2142935017" sldId="288"/>
+        </pc:sldMkLst>
+        <pc:spChg chg="mod">
+          <ac:chgData name="Gibbons, Carl" userId="d2b037bc-8fb4-4222-845c-61440543a456" providerId="ADAL" clId="{4505F98C-4CC4-4983-9729-597D2A150C85}" dt="2023-12-29T01:16:27.501" v="12383" actId="20577"/>
+          <ac:spMkLst>
+            <pc:docMk/>
+            <pc:sldMk cId="2142935017" sldId="288"/>
+            <ac:spMk id="2" creationId="{31B75992-5098-A283-4925-2CCEBB801DC5}"/>
+          </ac:spMkLst>
+        </pc:spChg>
+        <pc:spChg chg="mod">
+          <ac:chgData name="Gibbons, Carl" userId="d2b037bc-8fb4-4222-845c-61440543a456" providerId="ADAL" clId="{4505F98C-4CC4-4983-9729-597D2A150C85}" dt="2023-12-29T01:45:37.293" v="15006"/>
+          <ac:spMkLst>
+            <pc:docMk/>
+            <pc:sldMk cId="2142935017" sldId="288"/>
+            <ac:spMk id="3" creationId="{B5924E0F-A977-1710-779D-EEB74261AF34}"/>
+          </ac:spMkLst>
+        </pc:spChg>
+      </pc:sldChg>
+      <pc:sldChg chg="modSp mod">
+        <pc:chgData name="Gibbons, Carl" userId="d2b037bc-8fb4-4222-845c-61440543a456" providerId="ADAL" clId="{4505F98C-4CC4-4983-9729-597D2A150C85}" dt="2023-12-29T01:50:54.342" v="15124" actId="20577"/>
+        <pc:sldMkLst>
+          <pc:docMk/>
+          <pc:sldMk cId="2784625941" sldId="289"/>
+        </pc:sldMkLst>
+        <pc:spChg chg="mod">
+          <ac:chgData name="Gibbons, Carl" userId="d2b037bc-8fb4-4222-845c-61440543a456" providerId="ADAL" clId="{4505F98C-4CC4-4983-9729-597D2A150C85}" dt="2023-12-29T01:23:40.688" v="13177" actId="20577"/>
+          <ac:spMkLst>
+            <pc:docMk/>
+            <pc:sldMk cId="2784625941" sldId="289"/>
+            <ac:spMk id="2" creationId="{31B75992-5098-A283-4925-2CCEBB801DC5}"/>
+          </ac:spMkLst>
+        </pc:spChg>
+        <pc:spChg chg="mod">
+          <ac:chgData name="Gibbons, Carl" userId="d2b037bc-8fb4-4222-845c-61440543a456" providerId="ADAL" clId="{4505F98C-4CC4-4983-9729-597D2A150C85}" dt="2023-12-29T01:50:54.342" v="15124" actId="20577"/>
+          <ac:spMkLst>
+            <pc:docMk/>
+            <pc:sldMk cId="2784625941" sldId="289"/>
+            <ac:spMk id="3" creationId="{B5924E0F-A977-1710-779D-EEB74261AF34}"/>
+          </ac:spMkLst>
+        </pc:spChg>
+      </pc:sldChg>
+      <pc:sldChg chg="del">
+        <pc:chgData name="Gibbons, Carl" userId="d2b037bc-8fb4-4222-845c-61440543a456" providerId="ADAL" clId="{4505F98C-4CC4-4983-9729-597D2A150C85}" dt="2023-12-28T22:17:05.773" v="1696" actId="47"/>
+        <pc:sldMkLst>
+          <pc:docMk/>
+          <pc:sldMk cId="2966054478" sldId="289"/>
+        </pc:sldMkLst>
+      </pc:sldChg>
+      <pc:sldChg chg="del">
+        <pc:chgData name="Gibbons, Carl" userId="d2b037bc-8fb4-4222-845c-61440543a456" providerId="ADAL" clId="{4505F98C-4CC4-4983-9729-597D2A150C85}" dt="2023-12-28T22:17:13.315" v="1703" actId="47"/>
+        <pc:sldMkLst>
+          <pc:docMk/>
+          <pc:sldMk cId="1014272238" sldId="290"/>
+        </pc:sldMkLst>
+      </pc:sldChg>
+      <pc:sldChg chg="modSp add mod">
+        <pc:chgData name="Gibbons, Carl" userId="d2b037bc-8fb4-4222-845c-61440543a456" providerId="ADAL" clId="{4505F98C-4CC4-4983-9729-597D2A150C85}" dt="2023-12-29T01:50:36.539" v="15123" actId="20577"/>
+        <pc:sldMkLst>
+          <pc:docMk/>
+          <pc:sldMk cId="1677974689" sldId="290"/>
+        </pc:sldMkLst>
+        <pc:spChg chg="mod">
+          <ac:chgData name="Gibbons, Carl" userId="d2b037bc-8fb4-4222-845c-61440543a456" providerId="ADAL" clId="{4505F98C-4CC4-4983-9729-597D2A150C85}" dt="2023-12-29T01:37:36.931" v="14365" actId="20577"/>
+          <ac:spMkLst>
+            <pc:docMk/>
+            <pc:sldMk cId="1677974689" sldId="290"/>
+            <ac:spMk id="2" creationId="{31B75992-5098-A283-4925-2CCEBB801DC5}"/>
+          </ac:spMkLst>
+        </pc:spChg>
+        <pc:spChg chg="mod">
+          <ac:chgData name="Gibbons, Carl" userId="d2b037bc-8fb4-4222-845c-61440543a456" providerId="ADAL" clId="{4505F98C-4CC4-4983-9729-597D2A150C85}" dt="2023-12-29T01:50:36.539" v="15123" actId="20577"/>
+          <ac:spMkLst>
+            <pc:docMk/>
+            <pc:sldMk cId="1677974689" sldId="290"/>
+            <ac:spMk id="3" creationId="{B5924E0F-A977-1710-779D-EEB74261AF34}"/>
+          </ac:spMkLst>
+        </pc:spChg>
+      </pc:sldChg>
+      <pc:sldChg chg="del">
+        <pc:chgData name="Gibbons, Carl" userId="d2b037bc-8fb4-4222-845c-61440543a456" providerId="ADAL" clId="{4505F98C-4CC4-4983-9729-597D2A150C85}" dt="2023-12-28T22:17:05.079" v="1695" actId="47"/>
+        <pc:sldMkLst>
+          <pc:docMk/>
+          <pc:sldMk cId="3689580349" sldId="291"/>
+        </pc:sldMkLst>
+      </pc:sldChg>
+      <pc:sldChg chg="modSp add mod">
+        <pc:chgData name="Gibbons, Carl" userId="d2b037bc-8fb4-4222-845c-61440543a456" providerId="ADAL" clId="{4505F98C-4CC4-4983-9729-597D2A150C85}" dt="2023-12-29T02:03:57.372" v="16335" actId="20577"/>
+        <pc:sldMkLst>
+          <pc:docMk/>
+          <pc:sldMk cId="4219326696" sldId="291"/>
+        </pc:sldMkLst>
+        <pc:spChg chg="mod">
+          <ac:chgData name="Gibbons, Carl" userId="d2b037bc-8fb4-4222-845c-61440543a456" providerId="ADAL" clId="{4505F98C-4CC4-4983-9729-597D2A150C85}" dt="2023-12-29T01:51:52.820" v="15161" actId="20577"/>
+          <ac:spMkLst>
+            <pc:docMk/>
+            <pc:sldMk cId="4219326696" sldId="291"/>
+            <ac:spMk id="2" creationId="{31B75992-5098-A283-4925-2CCEBB801DC5}"/>
+          </ac:spMkLst>
+        </pc:spChg>
+        <pc:spChg chg="mod">
+          <ac:chgData name="Gibbons, Carl" userId="d2b037bc-8fb4-4222-845c-61440543a456" providerId="ADAL" clId="{4505F98C-4CC4-4983-9729-597D2A150C85}" dt="2023-12-29T02:03:57.372" v="16335" actId="20577"/>
+          <ac:spMkLst>
+            <pc:docMk/>
+            <pc:sldMk cId="4219326696" sldId="291"/>
+            <ac:spMk id="3" creationId="{B5924E0F-A977-1710-779D-EEB74261AF34}"/>
+          </ac:spMkLst>
+        </pc:spChg>
+      </pc:sldChg>
+      <pc:sldChg chg="modSp add mod">
+        <pc:chgData name="Gibbons, Carl" userId="d2b037bc-8fb4-4222-845c-61440543a456" providerId="ADAL" clId="{4505F98C-4CC4-4983-9729-597D2A150C85}" dt="2023-12-29T02:16:48.887" v="17543" actId="20577"/>
+        <pc:sldMkLst>
+          <pc:docMk/>
+          <pc:sldMk cId="33911121" sldId="292"/>
+        </pc:sldMkLst>
+        <pc:spChg chg="mod">
+          <ac:chgData name="Gibbons, Carl" userId="d2b037bc-8fb4-4222-845c-61440543a456" providerId="ADAL" clId="{4505F98C-4CC4-4983-9729-597D2A150C85}" dt="2023-12-29T02:06:26.879" v="16405" actId="20577"/>
+          <ac:spMkLst>
+            <pc:docMk/>
+            <pc:sldMk cId="33911121" sldId="292"/>
+            <ac:spMk id="2" creationId="{1862E903-3C56-BB42-2361-009F2336475A}"/>
+          </ac:spMkLst>
+        </pc:spChg>
+        <pc:spChg chg="mod">
+          <ac:chgData name="Gibbons, Carl" userId="d2b037bc-8fb4-4222-845c-61440543a456" providerId="ADAL" clId="{4505F98C-4CC4-4983-9729-597D2A150C85}" dt="2023-12-29T02:16:48.887" v="17543" actId="20577"/>
+          <ac:spMkLst>
+            <pc:docMk/>
+            <pc:sldMk cId="33911121" sldId="292"/>
+            <ac:spMk id="3" creationId="{90179172-96B3-95D0-A137-257770BE7642}"/>
+          </ac:spMkLst>
+        </pc:spChg>
+      </pc:sldChg>
+      <pc:sldChg chg="del">
+        <pc:chgData name="Gibbons, Carl" userId="d2b037bc-8fb4-4222-845c-61440543a456" providerId="ADAL" clId="{4505F98C-4CC4-4983-9729-597D2A150C85}" dt="2023-12-28T22:17:14.720" v="1704" actId="47"/>
+        <pc:sldMkLst>
+          <pc:docMk/>
+          <pc:sldMk cId="2738411615" sldId="292"/>
+        </pc:sldMkLst>
+      </pc:sldChg>
+      <pc:sldChg chg="del">
+        <pc:chgData name="Gibbons, Carl" userId="d2b037bc-8fb4-4222-845c-61440543a456" providerId="ADAL" clId="{4505F98C-4CC4-4983-9729-597D2A150C85}" dt="2023-12-28T22:17:04.103" v="1694" actId="47"/>
+        <pc:sldMkLst>
+          <pc:docMk/>
+          <pc:sldMk cId="852415543" sldId="293"/>
+        </pc:sldMkLst>
+      </pc:sldChg>
+    </pc:docChg>
+  </pc:docChgLst>
+  <pc:docChgLst>
+    <pc:chgData name="Gibbons, Carl" userId="d2b037bc-8fb4-4222-845c-61440543a456" providerId="ADAL" clId="{C1E6ABF6-BAED-4B26-97DB-20A1E8B7A1A4}"/>
+    <pc:docChg chg="custSel modSld">
+      <pc:chgData name="Gibbons, Carl" userId="d2b037bc-8fb4-4222-845c-61440543a456" providerId="ADAL" clId="{C1E6ABF6-BAED-4B26-97DB-20A1E8B7A1A4}" dt="2023-12-06T02:23:48.337" v="274" actId="20577"/>
+      <pc:docMkLst>
+        <pc:docMk/>
+      </pc:docMkLst>
+      <pc:sldChg chg="modSp mod">
+        <pc:chgData name="Gibbons, Carl" userId="d2b037bc-8fb4-4222-845c-61440543a456" providerId="ADAL" clId="{C1E6ABF6-BAED-4B26-97DB-20A1E8B7A1A4}" dt="2023-11-21T16:22:17.597" v="97" actId="20577"/>
+        <pc:sldMkLst>
+          <pc:docMk/>
+          <pc:sldMk cId="3308175748" sldId="256"/>
+        </pc:sldMkLst>
+        <pc:spChg chg="mod">
+          <ac:chgData name="Gibbons, Carl" userId="d2b037bc-8fb4-4222-845c-61440543a456" providerId="ADAL" clId="{C1E6ABF6-BAED-4B26-97DB-20A1E8B7A1A4}" dt="2023-11-21T05:49:34.464" v="2"/>
+          <ac:spMkLst>
+            <pc:docMk/>
+            <pc:sldMk cId="3308175748" sldId="256"/>
+            <ac:spMk id="2" creationId="{ACEA2649-DC6B-3373-A7E6-7F0E103D8B8B}"/>
+          </ac:spMkLst>
+        </pc:spChg>
+        <pc:spChg chg="mod">
+          <ac:chgData name="Gibbons, Carl" userId="d2b037bc-8fb4-4222-845c-61440543a456" providerId="ADAL" clId="{C1E6ABF6-BAED-4B26-97DB-20A1E8B7A1A4}" dt="2023-11-21T16:22:17.597" v="97" actId="20577"/>
+          <ac:spMkLst>
+            <pc:docMk/>
+            <pc:sldMk cId="3308175748" sldId="256"/>
+            <ac:spMk id="3" creationId="{EEC4D41B-E776-05F2-BE0B-89BB339485AB}"/>
+          </ac:spMkLst>
+        </pc:spChg>
+        <pc:spChg chg="mod">
+          <ac:chgData name="Gibbons, Carl" userId="d2b037bc-8fb4-4222-845c-61440543a456" providerId="ADAL" clId="{C1E6ABF6-BAED-4B26-97DB-20A1E8B7A1A4}" dt="2023-11-21T05:49:34.464" v="2"/>
+          <ac:spMkLst>
+            <pc:docMk/>
+            <pc:sldMk cId="3308175748" sldId="256"/>
+            <ac:spMk id="4" creationId="{4664ABB7-0B55-0242-2E51-B3286EE7B5EB}"/>
+          </ac:spMkLst>
+        </pc:spChg>
+      </pc:sldChg>
+      <pc:sldChg chg="modSp">
+        <pc:chgData name="Gibbons, Carl" userId="d2b037bc-8fb4-4222-845c-61440543a456" providerId="ADAL" clId="{C1E6ABF6-BAED-4B26-97DB-20A1E8B7A1A4}" dt="2023-11-21T05:49:34.464" v="2"/>
+        <pc:sldMkLst>
+          <pc:docMk/>
+          <pc:sldMk cId="2312486803" sldId="261"/>
+        </pc:sldMkLst>
+        <pc:spChg chg="mod">
+          <ac:chgData name="Gibbons, Carl" userId="d2b037bc-8fb4-4222-845c-61440543a456" providerId="ADAL" clId="{C1E6ABF6-BAED-4B26-97DB-20A1E8B7A1A4}" dt="2023-11-21T05:49:34.464" v="2"/>
+          <ac:spMkLst>
+            <pc:docMk/>
+            <pc:sldMk cId="2312486803" sldId="261"/>
+            <ac:spMk id="2" creationId="{31B75992-5098-A283-4925-2CCEBB801DC5}"/>
+          </ac:spMkLst>
+        </pc:spChg>
+      </pc:sldChg>
+      <pc:sldChg chg="modSp mod">
+        <pc:chgData name="Gibbons, Carl" userId="d2b037bc-8fb4-4222-845c-61440543a456" providerId="ADAL" clId="{C1E6ABF6-BAED-4B26-97DB-20A1E8B7A1A4}" dt="2023-11-21T07:48:19.790" v="77" actId="20577"/>
+        <pc:sldMkLst>
+          <pc:docMk/>
+          <pc:sldMk cId="378743348" sldId="270"/>
+        </pc:sldMkLst>
+        <pc:spChg chg="mod">
+          <ac:chgData name="Gibbons, Carl" userId="d2b037bc-8fb4-4222-845c-61440543a456" providerId="ADAL" clId="{C1E6ABF6-BAED-4B26-97DB-20A1E8B7A1A4}" dt="2023-11-21T07:48:19.790" v="77" actId="20577"/>
+          <ac:spMkLst>
+            <pc:docMk/>
+            <pc:sldMk cId="378743348" sldId="270"/>
+            <ac:spMk id="3" creationId="{80041865-9773-290D-EB35-F8AF8BFC505C}"/>
+          </ac:spMkLst>
+        </pc:spChg>
+      </pc:sldChg>
+      <pc:sldChg chg="modSp mod">
+        <pc:chgData name="Gibbons, Carl" userId="d2b037bc-8fb4-4222-845c-61440543a456" providerId="ADAL" clId="{C1E6ABF6-BAED-4B26-97DB-20A1E8B7A1A4}" dt="2023-12-06T02:23:48.337" v="274" actId="20577"/>
+        <pc:sldMkLst>
+          <pc:docMk/>
+          <pc:sldMk cId="657795359" sldId="277"/>
+        </pc:sldMkLst>
+        <pc:spChg chg="mod">
+          <ac:chgData name="Gibbons, Carl" userId="d2b037bc-8fb4-4222-845c-61440543a456" providerId="ADAL" clId="{C1E6ABF6-BAED-4B26-97DB-20A1E8B7A1A4}" dt="2023-11-21T05:49:34.464" v="2"/>
+          <ac:spMkLst>
+            <pc:docMk/>
+            <pc:sldMk cId="657795359" sldId="277"/>
+            <ac:spMk id="2" creationId="{1862E903-3C56-BB42-2361-009F2336475A}"/>
+          </ac:spMkLst>
+        </pc:spChg>
+        <pc:spChg chg="mod">
+          <ac:chgData name="Gibbons, Carl" userId="d2b037bc-8fb4-4222-845c-61440543a456" providerId="ADAL" clId="{C1E6ABF6-BAED-4B26-97DB-20A1E8B7A1A4}" dt="2023-12-06T02:23:48.337" v="274" actId="20577"/>
+          <ac:spMkLst>
+            <pc:docMk/>
+            <pc:sldMk cId="657795359" sldId="277"/>
+            <ac:spMk id="3" creationId="{90179172-96B3-95D0-A137-257770BE7642}"/>
+          </ac:spMkLst>
+        </pc:spChg>
+      </pc:sldChg>
+    </pc:docChg>
+  </pc:docChgLst>
+  <pc:docChgLst>
     <pc:chgData name="Gibbons, Carl" userId="d2b037bc-8fb4-4222-845c-61440543a456" providerId="ADAL" clId="{3D73FC3D-A932-426E-A7E0-475220CAB957}"/>
     <pc:docChg chg="undo redo custSel addSld delSld modSld">
       <pc:chgData name="Gibbons, Carl" userId="d2b037bc-8fb4-4222-845c-61440543a456" providerId="ADAL" clId="{3D73FC3D-A932-426E-A7E0-475220CAB957}" dt="2023-12-24T03:24:28.415" v="11663" actId="20577"/>
@@ -1587,7 +1632,7 @@
           <a:p>
             <a:fld id="{421996D4-4A1C-4BBC-AA2B-FD5B7FC395A0}" type="datetime1">
               <a:rPr lang="en-US" smtClean="0"/>
-              <a:t>12/28/2023</a:t>
+              <a:t>1/23/2024</a:t>
             </a:fld>
             <a:endParaRPr lang="en-US"/>
           </a:p>
@@ -1785,7 +1830,7 @@
           <a:p>
             <a:fld id="{CB43818D-5554-4105-BE04-CEE32DEBDA0A}" type="datetime1">
               <a:rPr lang="en-US" smtClean="0"/>
-              <a:t>12/28/2023</a:t>
+              <a:t>1/23/2024</a:t>
             </a:fld>
             <a:endParaRPr lang="en-US"/>
           </a:p>
@@ -1993,7 +2038,7 @@
           <a:p>
             <a:fld id="{AFAC11C6-1708-41BC-9474-3D7842023D96}" type="datetime1">
               <a:rPr lang="en-US" smtClean="0"/>
-              <a:t>12/28/2023</a:t>
+              <a:t>1/23/2024</a:t>
             </a:fld>
             <a:endParaRPr lang="en-US"/>
           </a:p>
@@ -2272,7 +2317,7 @@
           <a:p>
             <a:fld id="{490605F8-8C86-41F5-9F5E-04EDB8C2540B}" type="datetime1">
               <a:rPr lang="en-US" smtClean="0"/>
-              <a:t>12/28/2023</a:t>
+              <a:t>1/23/2024</a:t>
             </a:fld>
             <a:endParaRPr lang="en-US"/>
           </a:p>
@@ -2547,7 +2592,7 @@
           <a:p>
             <a:fld id="{CA355DA2-1E89-41CC-B722-CBFC08F260AE}" type="datetime1">
               <a:rPr lang="en-US" smtClean="0"/>
-              <a:t>12/28/2023</a:t>
+              <a:t>1/23/2024</a:t>
             </a:fld>
             <a:endParaRPr lang="en-US"/>
           </a:p>
@@ -2812,7 +2857,7 @@
           <a:p>
             <a:fld id="{7F6AFD48-C472-404E-B7B5-BA44CCF2F55D}" type="datetime1">
               <a:rPr lang="en-US" smtClean="0"/>
-              <a:t>12/28/2023</a:t>
+              <a:t>1/23/2024</a:t>
             </a:fld>
             <a:endParaRPr lang="en-US"/>
           </a:p>
@@ -3224,7 +3269,7 @@
           <a:p>
             <a:fld id="{B33F52E9-9255-4CAF-909C-660126F1B079}" type="datetime1">
               <a:rPr lang="en-US" smtClean="0"/>
-              <a:t>12/28/2023</a:t>
+              <a:t>1/23/2024</a:t>
             </a:fld>
             <a:endParaRPr lang="en-US"/>
           </a:p>
@@ -3365,7 +3410,7 @@
           <a:p>
             <a:fld id="{67F9F019-D13C-4797-8A9F-7B02D5B8121E}" type="datetime1">
               <a:rPr lang="en-US" smtClean="0"/>
-              <a:t>12/28/2023</a:t>
+              <a:t>1/23/2024</a:t>
             </a:fld>
             <a:endParaRPr lang="en-US"/>
           </a:p>
@@ -3478,7 +3523,7 @@
           <a:p>
             <a:fld id="{FDA143B9-A6C4-436D-945A-FF5B3EA2EF39}" type="datetime1">
               <a:rPr lang="en-US" smtClean="0"/>
-              <a:t>12/28/2023</a:t>
+              <a:t>1/23/2024</a:t>
             </a:fld>
             <a:endParaRPr lang="en-US"/>
           </a:p>
@@ -3789,7 +3834,7 @@
           <a:p>
             <a:fld id="{457E18FE-B6F9-4F6A-835B-8251F04458A0}" type="datetime1">
               <a:rPr lang="en-US" smtClean="0"/>
-              <a:t>12/28/2023</a:t>
+              <a:t>1/23/2024</a:t>
             </a:fld>
             <a:endParaRPr lang="en-US"/>
           </a:p>
@@ -4077,7 +4122,7 @@
           <a:p>
             <a:fld id="{5F2690CE-112A-455B-AD5F-E26CEA6A5331}" type="datetime1">
               <a:rPr lang="en-US" smtClean="0"/>
-              <a:t>12/28/2023</a:t>
+              <a:t>1/23/2024</a:t>
             </a:fld>
             <a:endParaRPr lang="en-US"/>
           </a:p>
@@ -4318,7 +4363,7 @@
           <a:p>
             <a:fld id="{9C4E342D-98AB-407C-88D4-A20ED0F70E1C}" type="datetime1">
               <a:rPr lang="en-US" smtClean="0"/>
-              <a:t>12/28/2023</a:t>
+              <a:t>1/23/2024</a:t>
             </a:fld>
             <a:endParaRPr lang="en-US"/>
           </a:p>
@@ -8110,7 +8155,7 @@
         <p:spPr>
           <a:xfrm>
             <a:off x="1260764" y="1054728"/>
-            <a:ext cx="9662835" cy="4401205"/>
+            <a:ext cx="9662835" cy="4708981"/>
           </a:xfrm>
           <a:prstGeom prst="rect">
             <a:avLst/>
@@ -8156,12 +8201,8 @@
               <a:buChar char="•"/>
             </a:pPr>
             <a:r>
-              <a:rPr lang="en-US" sz="2000" dirty="0" err="1"/>
-              <a:t>Powershell</a:t>
-            </a:r>
-            <a:r>
-              <a:rPr lang="en-US" sz="2000" dirty="0"/>
-              <a:t> will evaluate the conditional expression to a </a:t>
+              <a:rPr lang="en-US" sz="2000" dirty="0"/>
+              <a:t>PowerShell will evaluate the conditional expression to a </a:t>
             </a:r>
             <a:r>
               <a:rPr lang="en-US" sz="2000" b="1" dirty="0"/>
@@ -8203,7 +8244,7 @@
             </a:pPr>
             <a:r>
               <a:rPr lang="en-US" sz="2000" dirty="0"/>
-              <a:t>Example:</a:t>
+              <a:t>CLI Example:</a:t>
             </a:r>
           </a:p>
           <a:p>
@@ -8255,7 +8296,7 @@
               <a:rPr lang="en-US" sz="2000" dirty="0">
                 <a:latin typeface="Lucida Console" panose="020B0609040504020204" pitchFamily="49" charset="0"/>
               </a:rPr>
-              <a:t>    echo "yummy“</a:t>
+              <a:t>    echo "yummy"</a:t>
             </a:r>
           </a:p>
           <a:p>
@@ -8265,6 +8306,11 @@
               </a:rPr>
               <a:t>}</a:t>
             </a:r>
+          </a:p>
+          <a:p>
+            <a:endParaRPr lang="en-US" sz="2000" dirty="0">
+              <a:latin typeface="Lucida Console" panose="020B0609040504020204" pitchFamily="49" charset="0"/>
+            </a:endParaRPr>
           </a:p>
         </p:txBody>
       </p:sp>
@@ -8442,7 +8488,7 @@
             </a:pPr>
             <a:r>
               <a:rPr lang="en-US" sz="2000" dirty="0"/>
-              <a:t>Example:</a:t>
+              <a:t>CLI Example:</a:t>
             </a:r>
           </a:p>
           <a:p>
@@ -8900,7 +8946,19 @@
               <a:rPr lang="en-US" sz="2000" dirty="0">
                 <a:latin typeface="Lucida Console" panose="020B0609040504020204" pitchFamily="49" charset="0"/>
               </a:rPr>
-              <a:t>    echo “bland"</a:t>
+              <a:t>    </a:t>
+            </a:r>
+            <a:r>
+              <a:rPr lang="en-US" sz="2000">
+                <a:latin typeface="Lucida Console" panose="020B0609040504020204" pitchFamily="49" charset="0"/>
+              </a:rPr>
+              <a:t>echo "bland</a:t>
+            </a:r>
+            <a:r>
+              <a:rPr lang="en-US" sz="2000" dirty="0">
+                <a:latin typeface="Lucida Console" panose="020B0609040504020204" pitchFamily="49" charset="0"/>
+              </a:rPr>
+              <a:t>"</a:t>
             </a:r>
           </a:p>
           <a:p>
